--- a/ai-financial-modeling-fmi.pptx
+++ b/ai-financial-modeling-fmi.pptx
@@ -5,7 +5,7 @@
     <p:sldMasterId id="2147483648" r:id="rId1"/>
   </p:sldMasterIdLst>
   <p:notesMasterIdLst>
-    <p:notesMasterId r:id="rId12"/>
+    <p:notesMasterId r:id="rId15"/>
   </p:notesMasterIdLst>
   <p:sldIdLst>
     <p:sldId id="256" r:id="rId2"/>
@@ -14,20 +14,23 @@
     <p:sldId id="435" r:id="rId5"/>
     <p:sldId id="436" r:id="rId6"/>
     <p:sldId id="407" r:id="rId7"/>
-    <p:sldId id="428" r:id="rId8"/>
-    <p:sldId id="434" r:id="rId9"/>
-    <p:sldId id="415" r:id="rId10"/>
-    <p:sldId id="427" r:id="rId11"/>
+    <p:sldId id="437" r:id="rId8"/>
+    <p:sldId id="438" r:id="rId9"/>
+    <p:sldId id="439" r:id="rId10"/>
+    <p:sldId id="428" r:id="rId11"/>
+    <p:sldId id="440" r:id="rId12"/>
+    <p:sldId id="415" r:id="rId13"/>
+    <p:sldId id="427" r:id="rId14"/>
   </p:sldIdLst>
   <p:sldSz cx="18288000" cy="10287000"/>
   <p:notesSz cx="6858000" cy="9144000"/>
   <p:embeddedFontLst>
     <p:embeddedFont>
       <p:font typeface="Consolas" panose="020B0609020204030204" pitchFamily="49" charset="0"/>
-      <p:regular r:id="rId13"/>
-      <p:bold r:id="rId14"/>
-      <p:italic r:id="rId15"/>
-      <p:boldItalic r:id="rId16"/>
+      <p:regular r:id="rId16"/>
+      <p:bold r:id="rId17"/>
+      <p:italic r:id="rId18"/>
+      <p:boldItalic r:id="rId19"/>
     </p:embeddedFont>
   </p:embeddedFontLst>
   <p:defaultTextStyle>
@@ -624,7 +627,13 @@
   <p:cSld>
     <p:spTree>
       <p:nvGrpSpPr>
-        <p:cNvPr id="1" name=""/>
+        <p:cNvPr id="1" name="">
+          <a:extLst>
+            <a:ext uri="{FF2B5EF4-FFF2-40B4-BE49-F238E27FC236}">
+              <a16:creationId xmlns:a16="http://schemas.microsoft.com/office/drawing/2014/main" id="{26FEDD0E-7B26-6A40-B99C-1DB1BA641B9F}"/>
+            </a:ext>
+          </a:extLst>
+        </p:cNvPr>
         <p:cNvGrpSpPr/>
         <p:nvPr/>
       </p:nvGrpSpPr>
@@ -638,7 +647,13 @@
       </p:grpSpPr>
       <p:sp>
         <p:nvSpPr>
-          <p:cNvPr id="2" name="Slide Image Placeholder 1"/>
+          <p:cNvPr id="2" name="Slide Image Placeholder 1">
+            <a:extLst>
+              <a:ext uri="{FF2B5EF4-FFF2-40B4-BE49-F238E27FC236}">
+                <a16:creationId xmlns:a16="http://schemas.microsoft.com/office/drawing/2014/main" id="{4BC93FE2-3717-2EDA-F56E-5665D5A85ABB}"/>
+              </a:ext>
+            </a:extLst>
+          </p:cNvPr>
           <p:cNvSpPr>
             <a:spLocks noGrp="1" noRot="1" noChangeAspect="1"/>
           </p:cNvSpPr>
@@ -650,7 +665,13 @@
       </p:sp>
       <p:sp>
         <p:nvSpPr>
-          <p:cNvPr id="3" name="Notes Placeholder 2"/>
+          <p:cNvPr id="3" name="Notes Placeholder 2">
+            <a:extLst>
+              <a:ext uri="{FF2B5EF4-FFF2-40B4-BE49-F238E27FC236}">
+                <a16:creationId xmlns:a16="http://schemas.microsoft.com/office/drawing/2014/main" id="{2C5CE75D-996B-9833-1013-EAD9BB8A2B2E}"/>
+              </a:ext>
+            </a:extLst>
+          </p:cNvPr>
           <p:cNvSpPr>
             <a:spLocks noGrp="1"/>
           </p:cNvSpPr>
@@ -693,7 +714,13 @@
       </p:sp>
       <p:sp>
         <p:nvSpPr>
-          <p:cNvPr id="4" name="Slide Number Placeholder 3"/>
+          <p:cNvPr id="4" name="Slide Number Placeholder 3">
+            <a:extLst>
+              <a:ext uri="{FF2B5EF4-FFF2-40B4-BE49-F238E27FC236}">
+                <a16:creationId xmlns:a16="http://schemas.microsoft.com/office/drawing/2014/main" id="{B368AF92-EF6C-FA8B-D809-38ED0AB72A8B}"/>
+              </a:ext>
+            </a:extLst>
+          </p:cNvPr>
           <p:cNvSpPr>
             <a:spLocks noGrp="1"/>
           </p:cNvSpPr>
@@ -717,7 +744,7 @@
     </p:spTree>
     <p:extLst>
       <p:ext uri="{BB962C8B-B14F-4D97-AF65-F5344CB8AC3E}">
-        <p14:creationId xmlns:p14="http://schemas.microsoft.com/office/powerpoint/2010/main" val="3864329887"/>
+        <p14:creationId xmlns:p14="http://schemas.microsoft.com/office/powerpoint/2010/main" val="4007448522"/>
       </p:ext>
     </p:extLst>
   </p:cSld>
@@ -735,7 +762,7 @@
         <p:cNvPr id="1" name="">
           <a:extLst>
             <a:ext uri="{FF2B5EF4-FFF2-40B4-BE49-F238E27FC236}">
-              <a16:creationId xmlns:a16="http://schemas.microsoft.com/office/drawing/2014/main" id="{4C7D5532-326F-4669-1CB2-DA7AFD783D1B}"/>
+              <a16:creationId xmlns:a16="http://schemas.microsoft.com/office/drawing/2014/main" id="{696E22B3-BAA4-0BAA-67B7-A455E33D5A63}"/>
             </a:ext>
           </a:extLst>
         </p:cNvPr>
@@ -755,7 +782,7 @@
           <p:cNvPr id="2" name="Slide Image Placeholder 1">
             <a:extLst>
               <a:ext uri="{FF2B5EF4-FFF2-40B4-BE49-F238E27FC236}">
-                <a16:creationId xmlns:a16="http://schemas.microsoft.com/office/drawing/2014/main" id="{F7F669E7-8D85-DEB6-7D4D-FA8E8268D141}"/>
+                <a16:creationId xmlns:a16="http://schemas.microsoft.com/office/drawing/2014/main" id="{C0DA8D85-8EDB-320E-B82E-3D3DF0C099E4}"/>
               </a:ext>
             </a:extLst>
           </p:cNvPr>
@@ -773,7 +800,7 @@
           <p:cNvPr id="3" name="Notes Placeholder 2">
             <a:extLst>
               <a:ext uri="{FF2B5EF4-FFF2-40B4-BE49-F238E27FC236}">
-                <a16:creationId xmlns:a16="http://schemas.microsoft.com/office/drawing/2014/main" id="{261F375F-294F-03AB-52EE-36A85AF9FC2A}"/>
+                <a16:creationId xmlns:a16="http://schemas.microsoft.com/office/drawing/2014/main" id="{78E96F83-412B-A26C-C37C-A10F2595FF7F}"/>
               </a:ext>
             </a:extLst>
           </p:cNvPr>
@@ -822,7 +849,7 @@
           <p:cNvPr id="4" name="Slide Number Placeholder 3">
             <a:extLst>
               <a:ext uri="{FF2B5EF4-FFF2-40B4-BE49-F238E27FC236}">
-                <a16:creationId xmlns:a16="http://schemas.microsoft.com/office/drawing/2014/main" id="{9A17E0FB-DBB2-3D20-1323-ADC2F3DB14CF}"/>
+                <a16:creationId xmlns:a16="http://schemas.microsoft.com/office/drawing/2014/main" id="{D85AA045-B911-BDFF-838C-B03FB3819AFA}"/>
               </a:ext>
             </a:extLst>
           </p:cNvPr>
@@ -849,7 +876,247 @@
     </p:spTree>
     <p:extLst>
       <p:ext uri="{BB962C8B-B14F-4D97-AF65-F5344CB8AC3E}">
-        <p14:creationId xmlns:p14="http://schemas.microsoft.com/office/powerpoint/2010/main" val="917505817"/>
+        <p14:creationId xmlns:p14="http://schemas.microsoft.com/office/powerpoint/2010/main" val="2074387506"/>
+      </p:ext>
+    </p:extLst>
+  </p:cSld>
+  <p:clrMapOvr>
+    <a:masterClrMapping/>
+  </p:clrMapOvr>
+</p:notes>
+</file>
+
+<file path=ppt/notesSlides/notesSlide4.xml><?xml version="1.0" encoding="utf-8"?>
+<p:notes xmlns:a="http://schemas.openxmlformats.org/drawingml/2006/main" xmlns:r="http://schemas.openxmlformats.org/officeDocument/2006/relationships" xmlns:p="http://schemas.openxmlformats.org/presentationml/2006/main">
+  <p:cSld>
+    <p:spTree>
+      <p:nvGrpSpPr>
+        <p:cNvPr id="1" name="">
+          <a:extLst>
+            <a:ext uri="{FF2B5EF4-FFF2-40B4-BE49-F238E27FC236}">
+              <a16:creationId xmlns:a16="http://schemas.microsoft.com/office/drawing/2014/main" id="{FCF4B1F5-1022-4CE3-A7AD-748C2939059F}"/>
+            </a:ext>
+          </a:extLst>
+        </p:cNvPr>
+        <p:cNvGrpSpPr/>
+        <p:nvPr/>
+      </p:nvGrpSpPr>
+      <p:grpSpPr>
+        <a:xfrm>
+          <a:off x="0" y="0"/>
+          <a:ext cx="0" cy="0"/>
+          <a:chOff x="0" y="0"/>
+          <a:chExt cx="0" cy="0"/>
+        </a:xfrm>
+      </p:grpSpPr>
+      <p:sp>
+        <p:nvSpPr>
+          <p:cNvPr id="2" name="Slide Image Placeholder 1">
+            <a:extLst>
+              <a:ext uri="{FF2B5EF4-FFF2-40B4-BE49-F238E27FC236}">
+                <a16:creationId xmlns:a16="http://schemas.microsoft.com/office/drawing/2014/main" id="{712021AD-DA3C-D2A8-6DCA-10B5C73F014A}"/>
+              </a:ext>
+            </a:extLst>
+          </p:cNvPr>
+          <p:cNvSpPr>
+            <a:spLocks noGrp="1" noRot="1" noChangeAspect="1"/>
+          </p:cNvSpPr>
+          <p:nvPr>
+            <p:ph type="sldImg"/>
+          </p:nvPr>
+        </p:nvSpPr>
+        <p:spPr/>
+      </p:sp>
+      <p:sp>
+        <p:nvSpPr>
+          <p:cNvPr id="3" name="Notes Placeholder 2">
+            <a:extLst>
+              <a:ext uri="{FF2B5EF4-FFF2-40B4-BE49-F238E27FC236}">
+                <a16:creationId xmlns:a16="http://schemas.microsoft.com/office/drawing/2014/main" id="{D3398A40-4575-A2B2-0DDD-B74DA6A81343}"/>
+              </a:ext>
+            </a:extLst>
+          </p:cNvPr>
+          <p:cNvSpPr>
+            <a:spLocks noGrp="1"/>
+          </p:cNvSpPr>
+          <p:nvPr>
+            <p:ph type="body" idx="1"/>
+          </p:nvPr>
+        </p:nvSpPr>
+        <p:spPr/>
+        <p:txBody>
+          <a:bodyPr/>
+          <a:lstStyle/>
+          <a:p>
+            <a:pPr marL="228600" indent="-228600">
+              <a:buAutoNum type="arabicPeriod"/>
+            </a:pPr>
+            <a:r>
+              <a:rPr lang="en-US" dirty="0"/>
+              <a:t>False!</a:t>
+            </a:r>
+          </a:p>
+          <a:p>
+            <a:pPr marL="228600" indent="-228600">
+              <a:buAutoNum type="arabicPeriod"/>
+            </a:pPr>
+            <a:r>
+              <a:rPr lang="en-US" dirty="0"/>
+              <a:t>Function, Formula, Function</a:t>
+            </a:r>
+          </a:p>
+          <a:p>
+            <a:pPr marL="228600" indent="-228600">
+              <a:buAutoNum type="arabicPeriod"/>
+            </a:pPr>
+            <a:r>
+              <a:rPr lang="en-US" dirty="0"/>
+              <a:t>Argument</a:t>
+            </a:r>
+          </a:p>
+        </p:txBody>
+      </p:sp>
+      <p:sp>
+        <p:nvSpPr>
+          <p:cNvPr id="4" name="Slide Number Placeholder 3">
+            <a:extLst>
+              <a:ext uri="{FF2B5EF4-FFF2-40B4-BE49-F238E27FC236}">
+                <a16:creationId xmlns:a16="http://schemas.microsoft.com/office/drawing/2014/main" id="{BE9951FB-F32F-3030-3950-0E80D0664D8F}"/>
+              </a:ext>
+            </a:extLst>
+          </p:cNvPr>
+          <p:cNvSpPr>
+            <a:spLocks noGrp="1"/>
+          </p:cNvSpPr>
+          <p:nvPr>
+            <p:ph type="sldNum" sz="quarter" idx="5"/>
+          </p:nvPr>
+        </p:nvSpPr>
+        <p:spPr/>
+        <p:txBody>
+          <a:bodyPr/>
+          <a:lstStyle/>
+          <a:p>
+            <a:fld id="{1300335D-9F13-4B80-ADC5-B0EA3E10FF6B}" type="slidenum">
+              <a:rPr lang="en-US" smtClean="0"/>
+              <a:t>9</a:t>
+            </a:fld>
+            <a:endParaRPr lang="en-US"/>
+          </a:p>
+        </p:txBody>
+      </p:sp>
+    </p:spTree>
+    <p:extLst>
+      <p:ext uri="{BB962C8B-B14F-4D97-AF65-F5344CB8AC3E}">
+        <p14:creationId xmlns:p14="http://schemas.microsoft.com/office/powerpoint/2010/main" val="516879475"/>
+      </p:ext>
+    </p:extLst>
+  </p:cSld>
+  <p:clrMapOvr>
+    <a:masterClrMapping/>
+  </p:clrMapOvr>
+</p:notes>
+</file>
+
+<file path=ppt/notesSlides/notesSlide5.xml><?xml version="1.0" encoding="utf-8"?>
+<p:notes xmlns:a="http://schemas.openxmlformats.org/drawingml/2006/main" xmlns:r="http://schemas.openxmlformats.org/officeDocument/2006/relationships" xmlns:p="http://schemas.openxmlformats.org/presentationml/2006/main">
+  <p:cSld>
+    <p:spTree>
+      <p:nvGrpSpPr>
+        <p:cNvPr id="1" name=""/>
+        <p:cNvGrpSpPr/>
+        <p:nvPr/>
+      </p:nvGrpSpPr>
+      <p:grpSpPr>
+        <a:xfrm>
+          <a:off x="0" y="0"/>
+          <a:ext cx="0" cy="0"/>
+          <a:chOff x="0" y="0"/>
+          <a:chExt cx="0" cy="0"/>
+        </a:xfrm>
+      </p:grpSpPr>
+      <p:sp>
+        <p:nvSpPr>
+          <p:cNvPr id="2" name="Slide Image Placeholder 1"/>
+          <p:cNvSpPr>
+            <a:spLocks noGrp="1" noRot="1" noChangeAspect="1"/>
+          </p:cNvSpPr>
+          <p:nvPr>
+            <p:ph type="sldImg"/>
+          </p:nvPr>
+        </p:nvSpPr>
+        <p:spPr/>
+      </p:sp>
+      <p:sp>
+        <p:nvSpPr>
+          <p:cNvPr id="3" name="Notes Placeholder 2"/>
+          <p:cNvSpPr>
+            <a:spLocks noGrp="1"/>
+          </p:cNvSpPr>
+          <p:nvPr>
+            <p:ph type="body" idx="1"/>
+          </p:nvPr>
+        </p:nvSpPr>
+        <p:spPr/>
+        <p:txBody>
+          <a:bodyPr/>
+          <a:lstStyle/>
+          <a:p>
+            <a:pPr marL="228600" indent="-228600">
+              <a:buAutoNum type="arabicPeriod"/>
+            </a:pPr>
+            <a:r>
+              <a:rPr lang="en-US" dirty="0"/>
+              <a:t>False!</a:t>
+            </a:r>
+          </a:p>
+          <a:p>
+            <a:pPr marL="228600" indent="-228600">
+              <a:buAutoNum type="arabicPeriod"/>
+            </a:pPr>
+            <a:r>
+              <a:rPr lang="en-US" dirty="0"/>
+              <a:t>Function, Formula, Function</a:t>
+            </a:r>
+          </a:p>
+          <a:p>
+            <a:pPr marL="228600" indent="-228600">
+              <a:buAutoNum type="arabicPeriod"/>
+            </a:pPr>
+            <a:r>
+              <a:rPr lang="en-US" dirty="0"/>
+              <a:t>Argument</a:t>
+            </a:r>
+          </a:p>
+        </p:txBody>
+      </p:sp>
+      <p:sp>
+        <p:nvSpPr>
+          <p:cNvPr id="4" name="Slide Number Placeholder 3"/>
+          <p:cNvSpPr>
+            <a:spLocks noGrp="1"/>
+          </p:cNvSpPr>
+          <p:nvPr>
+            <p:ph type="sldNum" sz="quarter" idx="5"/>
+          </p:nvPr>
+        </p:nvSpPr>
+        <p:spPr/>
+        <p:txBody>
+          <a:bodyPr/>
+          <a:lstStyle/>
+          <a:p>
+            <a:fld id="{1300335D-9F13-4B80-ADC5-B0EA3E10FF6B}" type="slidenum">
+              <a:rPr lang="en-US" smtClean="0"/>
+              <a:t>10</a:t>
+            </a:fld>
+            <a:endParaRPr lang="en-US"/>
+          </a:p>
+        </p:txBody>
+      </p:sp>
+    </p:spTree>
+    <p:extLst>
+      <p:ext uri="{BB962C8B-B14F-4D97-AF65-F5344CB8AC3E}">
+        <p14:creationId xmlns:p14="http://schemas.microsoft.com/office/powerpoint/2010/main" val="3864329887"/>
       </p:ext>
     </p:extLst>
   </p:cSld>
@@ -3981,6 +4248,538 @@
   <p:cSld>
     <p:spTree>
       <p:nvGrpSpPr>
+        <p:cNvPr id="1" name=""/>
+        <p:cNvGrpSpPr/>
+        <p:nvPr/>
+      </p:nvGrpSpPr>
+      <p:grpSpPr>
+        <a:xfrm>
+          <a:off x="0" y="0"/>
+          <a:ext cx="0" cy="0"/>
+          <a:chOff x="0" y="0"/>
+          <a:chExt cx="0" cy="0"/>
+        </a:xfrm>
+      </p:grpSpPr>
+      <p:sp>
+        <p:nvSpPr>
+          <p:cNvPr id="4" name="Rectangle 3"/>
+          <p:cNvSpPr/>
+          <p:nvPr/>
+        </p:nvSpPr>
+        <p:spPr>
+          <a:xfrm>
+            <a:off x="9861630" y="0"/>
+            <a:ext cx="8426370" cy="10287000"/>
+          </a:xfrm>
+          <a:prstGeom prst="rect">
+            <a:avLst/>
+          </a:prstGeom>
+          <a:solidFill>
+            <a:srgbClr val="CF3338"/>
+          </a:solidFill>
+          <a:ln>
+            <a:noFill/>
+          </a:ln>
+        </p:spPr>
+        <p:style>
+          <a:lnRef idx="2">
+            <a:schemeClr val="accent1">
+              <a:shade val="50000"/>
+            </a:schemeClr>
+          </a:lnRef>
+          <a:fillRef idx="1">
+            <a:schemeClr val="accent1"/>
+          </a:fillRef>
+          <a:effectRef idx="0">
+            <a:schemeClr val="accent1"/>
+          </a:effectRef>
+          <a:fontRef idx="minor">
+            <a:schemeClr val="lt1"/>
+          </a:fontRef>
+        </p:style>
+        <p:txBody>
+          <a:bodyPr rtlCol="0" anchor="ctr"/>
+          <a:lstStyle/>
+          <a:p>
+            <a:pPr algn="ctr"/>
+            <a:endParaRPr lang="en-US" sz="2700"/>
+          </a:p>
+        </p:txBody>
+      </p:sp>
+      <p:pic>
+        <p:nvPicPr>
+          <p:cNvPr id="2" name="Picture 1"/>
+          <p:cNvPicPr>
+            <a:picLocks noChangeAspect="1"/>
+          </p:cNvPicPr>
+          <p:nvPr/>
+        </p:nvPicPr>
+        <p:blipFill rotWithShape="1">
+          <a:blip r:embed="rId3">
+            <a:extLst>
+              <a:ext uri="{28A0092B-C50C-407E-A947-70E740481C1C}">
+                <a14:useLocalDpi xmlns:a14="http://schemas.microsoft.com/office/drawing/2010/main" val="0"/>
+              </a:ext>
+            </a:extLst>
+          </a:blip>
+          <a:srcRect l="69227" t="33418" r="20112" b="50548"/>
+          <a:stretch/>
+        </p:blipFill>
+        <p:spPr>
+          <a:xfrm>
+            <a:off x="15579524" y="7544693"/>
+            <a:ext cx="2708477" cy="2987579"/>
+          </a:xfrm>
+          <a:prstGeom prst="rect">
+            <a:avLst/>
+          </a:prstGeom>
+        </p:spPr>
+      </p:pic>
+      <p:sp>
+        <p:nvSpPr>
+          <p:cNvPr id="3" name="TextBox 2"/>
+          <p:cNvSpPr txBox="1"/>
+          <p:nvPr/>
+        </p:nvSpPr>
+        <p:spPr>
+          <a:xfrm>
+            <a:off x="260431" y="329879"/>
+            <a:ext cx="8906720" cy="7079887"/>
+          </a:xfrm>
+          <a:prstGeom prst="rect">
+            <a:avLst/>
+          </a:prstGeom>
+          <a:noFill/>
+        </p:spPr>
+        <p:txBody>
+          <a:bodyPr wrap="square" rtlCol="0">
+            <a:spAutoFit/>
+          </a:bodyPr>
+          <a:lstStyle/>
+          <a:p>
+            <a:r>
+              <a:rPr lang="en-US" sz="6000" b="1" dirty="0">
+                <a:solidFill>
+                  <a:srgbClr val="CF3338"/>
+                </a:solidFill>
+                <a:latin typeface="Pragmatica" panose="020B0403040502020204" pitchFamily="34" charset="0"/>
+              </a:rPr>
+              <a:t>AI-assisted workflows with Agent Mode</a:t>
+            </a:r>
+          </a:p>
+          <a:p>
+            <a:endParaRPr lang="en-US" sz="4200" dirty="0">
+              <a:solidFill>
+                <a:srgbClr val="CF3338"/>
+              </a:solidFill>
+              <a:latin typeface="Pragmatica" panose="020B0403040502020204" pitchFamily="34" charset="0"/>
+            </a:endParaRPr>
+          </a:p>
+          <a:p>
+            <a:pPr marL="685800" indent="-542925">
+              <a:lnSpc>
+                <a:spcPct val="115000"/>
+              </a:lnSpc>
+              <a:spcBef>
+                <a:spcPts val="1125"/>
+              </a:spcBef>
+              <a:buClr>
+                <a:srgbClr val="C00000"/>
+              </a:buClr>
+              <a:buSzPts val="2100"/>
+              <a:buFont typeface="Arial"/>
+              <a:buAutoNum type="arabicPeriod"/>
+            </a:pPr>
+            <a:r>
+              <a:rPr lang="en-US" sz="3200" dirty="0">
+                <a:solidFill>
+                  <a:srgbClr val="C00000"/>
+                </a:solidFill>
+                <a:latin typeface="Pragmatica" panose="020B0403040502020204"/>
+                <a:sym typeface="Consolas"/>
+              </a:rPr>
+              <a:t>Use Agent Mode to coordinate multi-step tasks across sheets, tables, and tools</a:t>
+            </a:r>
+          </a:p>
+          <a:p>
+            <a:pPr marL="685800" indent="-542925">
+              <a:lnSpc>
+                <a:spcPct val="115000"/>
+              </a:lnSpc>
+              <a:spcBef>
+                <a:spcPts val="1125"/>
+              </a:spcBef>
+              <a:buClr>
+                <a:srgbClr val="C00000"/>
+              </a:buClr>
+              <a:buSzPts val="2100"/>
+              <a:buFont typeface="Arial"/>
+              <a:buAutoNum type="arabicPeriod"/>
+            </a:pPr>
+            <a:r>
+              <a:rPr lang="en-US" sz="3200" dirty="0">
+                <a:solidFill>
+                  <a:srgbClr val="C00000"/>
+                </a:solidFill>
+                <a:latin typeface="Pragmatica" panose="020B0403040502020204"/>
+                <a:sym typeface="Consolas"/>
+              </a:rPr>
+              <a:t>Let the agent combine formulas, charts, and explanations into one workflow</a:t>
+            </a:r>
+          </a:p>
+          <a:p>
+            <a:pPr marL="685800" indent="-542925">
+              <a:lnSpc>
+                <a:spcPct val="115000"/>
+              </a:lnSpc>
+              <a:spcBef>
+                <a:spcPts val="1125"/>
+              </a:spcBef>
+              <a:buClr>
+                <a:srgbClr val="C00000"/>
+              </a:buClr>
+              <a:buSzPts val="2100"/>
+              <a:buFont typeface="Arial"/>
+              <a:buAutoNum type="arabicPeriod"/>
+            </a:pPr>
+            <a:r>
+              <a:rPr lang="en-US" sz="3200" dirty="0">
+                <a:solidFill>
+                  <a:srgbClr val="C00000"/>
+                </a:solidFill>
+                <a:latin typeface="Pragmatica" panose="020B0403040502020204"/>
+                <a:sym typeface="Consolas"/>
+              </a:rPr>
+              <a:t>Review and approve its output to ensure accuracy and maintain auditability</a:t>
+            </a:r>
+            <a:endParaRPr lang="en-US" sz="3200" dirty="0">
+              <a:solidFill>
+                <a:srgbClr val="C00000"/>
+              </a:solidFill>
+              <a:latin typeface="Consolas" panose="020B0609020204030204" pitchFamily="49" charset="0"/>
+              <a:sym typeface="Consolas"/>
+            </a:endParaRPr>
+          </a:p>
+          <a:p>
+            <a:pPr marL="142875">
+              <a:lnSpc>
+                <a:spcPct val="115000"/>
+              </a:lnSpc>
+              <a:spcBef>
+                <a:spcPts val="1125"/>
+              </a:spcBef>
+              <a:buClr>
+                <a:srgbClr val="C00000"/>
+              </a:buClr>
+              <a:buSzPts val="2100"/>
+            </a:pPr>
+            <a:r>
+              <a:rPr lang="en-US" sz="3200" dirty="0">
+                <a:solidFill>
+                  <a:srgbClr val="C00000"/>
+                </a:solidFill>
+                <a:latin typeface="Pragmatica" panose="020B0403040502020204"/>
+                <a:sym typeface="Consolas"/>
+              </a:rPr>
+              <a:t>Worksheet: </a:t>
+            </a:r>
+            <a:r>
+              <a:rPr lang="en-US" sz="3200" dirty="0" err="1">
+                <a:solidFill>
+                  <a:srgbClr val="C00000"/>
+                </a:solidFill>
+                <a:latin typeface="Consolas" panose="020B0609020204030204" pitchFamily="49" charset="0"/>
+                <a:sym typeface="Consolas"/>
+              </a:rPr>
+              <a:t>EquitySnapshotPlus</a:t>
+            </a:r>
+            <a:endParaRPr lang="en-US" sz="6000" dirty="0">
+              <a:solidFill>
+                <a:srgbClr val="CF3338"/>
+              </a:solidFill>
+              <a:latin typeface="Pragmatica" panose="020B0403040502020204"/>
+            </a:endParaRPr>
+          </a:p>
+        </p:txBody>
+      </p:sp>
+    </p:spTree>
+    <p:extLst>
+      <p:ext uri="{BB962C8B-B14F-4D97-AF65-F5344CB8AC3E}">
+        <p14:creationId xmlns:p14="http://schemas.microsoft.com/office/powerpoint/2010/main" val="1679221718"/>
+      </p:ext>
+    </p:extLst>
+  </p:cSld>
+  <p:clrMapOvr>
+    <a:masterClrMapping/>
+  </p:clrMapOvr>
+</p:sld>
+</file>
+
+<file path=ppt/slides/slide11.xml><?xml version="1.0" encoding="utf-8"?>
+<p:sld xmlns:a="http://schemas.openxmlformats.org/drawingml/2006/main" xmlns:r="http://schemas.openxmlformats.org/officeDocument/2006/relationships" xmlns:p="http://schemas.openxmlformats.org/presentationml/2006/main">
+  <p:cSld>
+    <p:spTree>
+      <p:nvGrpSpPr>
+        <p:cNvPr id="1" name="">
+          <a:extLst>
+            <a:ext uri="{FF2B5EF4-FFF2-40B4-BE49-F238E27FC236}">
+              <a16:creationId xmlns:a16="http://schemas.microsoft.com/office/drawing/2014/main" id="{3544C72A-DF4F-3619-6A00-C42C9EFFE4A0}"/>
+            </a:ext>
+          </a:extLst>
+        </p:cNvPr>
+        <p:cNvGrpSpPr/>
+        <p:nvPr/>
+      </p:nvGrpSpPr>
+      <p:grpSpPr>
+        <a:xfrm>
+          <a:off x="0" y="0"/>
+          <a:ext cx="0" cy="0"/>
+          <a:chOff x="0" y="0"/>
+          <a:chExt cx="0" cy="0"/>
+        </a:xfrm>
+      </p:grpSpPr>
+      <p:pic>
+        <p:nvPicPr>
+          <p:cNvPr id="15" name="Picture 14" descr="A close up of a sign&#10;&#10;Description automatically generated">
+            <a:extLst>
+              <a:ext uri="{FF2B5EF4-FFF2-40B4-BE49-F238E27FC236}">
+                <a16:creationId xmlns:a16="http://schemas.microsoft.com/office/drawing/2014/main" id="{653C19F5-31E1-B871-222A-EE176EB1CD64}"/>
+              </a:ext>
+            </a:extLst>
+          </p:cNvPr>
+          <p:cNvPicPr>
+            <a:picLocks noChangeAspect="1"/>
+          </p:cNvPicPr>
+          <p:nvPr/>
+        </p:nvPicPr>
+        <p:blipFill>
+          <a:blip r:embed="rId2">
+            <a:extLst>
+              <a:ext uri="{28A0092B-C50C-407E-A947-70E740481C1C}">
+                <a14:useLocalDpi xmlns:a14="http://schemas.microsoft.com/office/drawing/2010/main" val="0"/>
+              </a:ext>
+            </a:extLst>
+          </a:blip>
+          <a:stretch>
+            <a:fillRect/>
+          </a:stretch>
+        </p:blipFill>
+        <p:spPr>
+          <a:xfrm>
+            <a:off x="16341036" y="8058429"/>
+            <a:ext cx="1942857" cy="2228571"/>
+          </a:xfrm>
+          <a:prstGeom prst="rect">
+            <a:avLst/>
+          </a:prstGeom>
+        </p:spPr>
+      </p:pic>
+      <p:pic>
+        <p:nvPicPr>
+          <p:cNvPr id="8" name="Picture 7">
+            <a:extLst>
+              <a:ext uri="{FF2B5EF4-FFF2-40B4-BE49-F238E27FC236}">
+                <a16:creationId xmlns:a16="http://schemas.microsoft.com/office/drawing/2014/main" id="{AA4145DF-B19E-A76D-EA90-329D749FDD40}"/>
+              </a:ext>
+            </a:extLst>
+          </p:cNvPr>
+          <p:cNvPicPr>
+            <a:picLocks noChangeAspect="1"/>
+          </p:cNvPicPr>
+          <p:nvPr/>
+        </p:nvPicPr>
+        <p:blipFill>
+          <a:blip r:embed="rId3"/>
+          <a:stretch>
+            <a:fillRect/>
+          </a:stretch>
+        </p:blipFill>
+        <p:spPr>
+          <a:xfrm>
+            <a:off x="4876800" y="533400"/>
+            <a:ext cx="9220200" cy="9220200"/>
+          </a:xfrm>
+          <a:prstGeom prst="rect">
+            <a:avLst/>
+          </a:prstGeom>
+        </p:spPr>
+      </p:pic>
+    </p:spTree>
+    <p:extLst>
+      <p:ext uri="{BB962C8B-B14F-4D97-AF65-F5344CB8AC3E}">
+        <p14:creationId xmlns:p14="http://schemas.microsoft.com/office/powerpoint/2010/main" val="3087155861"/>
+      </p:ext>
+    </p:extLst>
+  </p:cSld>
+  <p:clrMapOvr>
+    <a:masterClrMapping/>
+  </p:clrMapOvr>
+</p:sld>
+</file>
+
+<file path=ppt/slides/slide12.xml><?xml version="1.0" encoding="utf-8"?>
+<p:sld xmlns:a="http://schemas.openxmlformats.org/drawingml/2006/main" xmlns:r="http://schemas.openxmlformats.org/officeDocument/2006/relationships" xmlns:p="http://schemas.openxmlformats.org/presentationml/2006/main">
+  <p:cSld>
+    <p:spTree>
+      <p:nvGrpSpPr>
+        <p:cNvPr id="1" name=""/>
+        <p:cNvGrpSpPr/>
+        <p:nvPr/>
+      </p:nvGrpSpPr>
+      <p:grpSpPr>
+        <a:xfrm>
+          <a:off x="0" y="0"/>
+          <a:ext cx="0" cy="0"/>
+          <a:chOff x="0" y="0"/>
+          <a:chExt cx="0" cy="0"/>
+        </a:xfrm>
+      </p:grpSpPr>
+      <p:pic>
+        <p:nvPicPr>
+          <p:cNvPr id="10" name="Picture 9"/>
+          <p:cNvPicPr>
+            <a:picLocks noChangeAspect="1"/>
+          </p:cNvPicPr>
+          <p:nvPr/>
+        </p:nvPicPr>
+        <p:blipFill rotWithShape="1">
+          <a:blip r:embed="rId2">
+            <a:extLst>
+              <a:ext uri="{28A0092B-C50C-407E-A947-70E740481C1C}">
+                <a14:useLocalDpi xmlns:a14="http://schemas.microsoft.com/office/drawing/2010/main" val="0"/>
+              </a:ext>
+            </a:extLst>
+          </a:blip>
+          <a:srcRect l="50728" t="56371"/>
+          <a:stretch/>
+        </p:blipFill>
+        <p:spPr>
+          <a:xfrm>
+            <a:off x="12204691" y="3316148"/>
+            <a:ext cx="6083309" cy="6970854"/>
+          </a:xfrm>
+          <a:prstGeom prst="rect">
+            <a:avLst/>
+          </a:prstGeom>
+        </p:spPr>
+      </p:pic>
+      <p:pic>
+        <p:nvPicPr>
+          <p:cNvPr id="4" name="Picture 3"/>
+          <p:cNvPicPr>
+            <a:picLocks noChangeAspect="1"/>
+          </p:cNvPicPr>
+          <p:nvPr/>
+        </p:nvPicPr>
+        <p:blipFill>
+          <a:blip r:embed="rId3">
+            <a:extLst>
+              <a:ext uri="{28A0092B-C50C-407E-A947-70E740481C1C}">
+                <a14:useLocalDpi xmlns:a14="http://schemas.microsoft.com/office/drawing/2010/main" val="0"/>
+              </a:ext>
+            </a:extLst>
+          </a:blip>
+          <a:stretch>
+            <a:fillRect/>
+          </a:stretch>
+        </p:blipFill>
+        <p:spPr>
+          <a:xfrm>
+            <a:off x="-807744" y="-3724155"/>
+            <a:ext cx="15257208" cy="11189825"/>
+          </a:xfrm>
+          <a:prstGeom prst="rect">
+            <a:avLst/>
+          </a:prstGeom>
+        </p:spPr>
+      </p:pic>
+      <p:sp>
+        <p:nvSpPr>
+          <p:cNvPr id="11" name="TextBox 10"/>
+          <p:cNvSpPr txBox="1"/>
+          <p:nvPr/>
+        </p:nvSpPr>
+        <p:spPr>
+          <a:xfrm>
+            <a:off x="486137" y="2531318"/>
+            <a:ext cx="11979797" cy="923330"/>
+          </a:xfrm>
+          <a:prstGeom prst="rect">
+            <a:avLst/>
+          </a:prstGeom>
+          <a:noFill/>
+        </p:spPr>
+        <p:txBody>
+          <a:bodyPr wrap="square" rtlCol="0">
+            <a:spAutoFit/>
+          </a:bodyPr>
+          <a:lstStyle/>
+          <a:p>
+            <a:r>
+              <a:rPr lang="en-US" sz="5400" b="1" dirty="0">
+                <a:solidFill>
+                  <a:srgbClr val="CF3338"/>
+                </a:solidFill>
+                <a:latin typeface="Pragmatica" panose="020B0403040502020204" pitchFamily="34" charset="0"/>
+              </a:rPr>
+              <a:t>Questions?</a:t>
+            </a:r>
+          </a:p>
+        </p:txBody>
+      </p:sp>
+      <p:pic>
+        <p:nvPicPr>
+          <p:cNvPr id="5" name="Picture 4">
+            <a:extLst>
+              <a:ext uri="{FF2B5EF4-FFF2-40B4-BE49-F238E27FC236}">
+                <a16:creationId xmlns:a16="http://schemas.microsoft.com/office/drawing/2014/main" id="{54A06221-5316-4BCF-9FDA-BDB95FF4A778}"/>
+              </a:ext>
+            </a:extLst>
+          </p:cNvPr>
+          <p:cNvPicPr>
+            <a:picLocks noChangeAspect="1"/>
+          </p:cNvPicPr>
+          <p:nvPr/>
+        </p:nvPicPr>
+        <p:blipFill>
+          <a:blip r:embed="rId4">
+            <a:extLst>
+              <a:ext uri="{28A0092B-C50C-407E-A947-70E740481C1C}">
+                <a14:useLocalDpi xmlns:a14="http://schemas.microsoft.com/office/drawing/2010/main" val="0"/>
+              </a:ext>
+            </a:extLst>
+          </a:blip>
+          <a:srcRect/>
+          <a:stretch/>
+        </p:blipFill>
+        <p:spPr>
+          <a:xfrm>
+            <a:off x="12204691" y="3317239"/>
+            <a:ext cx="6083309" cy="6968672"/>
+          </a:xfrm>
+          <a:prstGeom prst="rect">
+            <a:avLst/>
+          </a:prstGeom>
+        </p:spPr>
+      </p:pic>
+    </p:spTree>
+    <p:extLst>
+      <p:ext uri="{BB962C8B-B14F-4D97-AF65-F5344CB8AC3E}">
+        <p14:creationId xmlns:p14="http://schemas.microsoft.com/office/powerpoint/2010/main" val="1689860732"/>
+      </p:ext>
+    </p:extLst>
+  </p:cSld>
+  <p:clrMapOvr>
+    <a:masterClrMapping/>
+  </p:clrMapOvr>
+</p:sld>
+</file>
+
+<file path=ppt/slides/slide13.xml><?xml version="1.0" encoding="utf-8"?>
+<p:sld xmlns:a="http://schemas.openxmlformats.org/drawingml/2006/main" xmlns:r="http://schemas.openxmlformats.org/officeDocument/2006/relationships" xmlns:p="http://schemas.openxmlformats.org/presentationml/2006/main">
+  <p:cSld>
+    <p:spTree>
+      <p:nvGrpSpPr>
         <p:cNvPr id="1" name="">
           <a:extLst>
             <a:ext uri="{FF2B5EF4-FFF2-40B4-BE49-F238E27FC236}">
@@ -5371,7 +6170,13 @@
   <p:cSld>
     <p:spTree>
       <p:nvGrpSpPr>
-        <p:cNvPr id="1" name=""/>
+        <p:cNvPr id="1" name="">
+          <a:extLst>
+            <a:ext uri="{FF2B5EF4-FFF2-40B4-BE49-F238E27FC236}">
+              <a16:creationId xmlns:a16="http://schemas.microsoft.com/office/drawing/2014/main" id="{9004CBBF-8FFC-E22C-8007-C2C9DD554854}"/>
+            </a:ext>
+          </a:extLst>
+        </p:cNvPr>
         <p:cNvGrpSpPr/>
         <p:nvPr/>
       </p:nvGrpSpPr>
@@ -5385,7 +6190,13 @@
       </p:grpSpPr>
       <p:sp>
         <p:nvSpPr>
-          <p:cNvPr id="4" name="Rectangle 3"/>
+          <p:cNvPr id="4" name="Rectangle 3">
+            <a:extLst>
+              <a:ext uri="{FF2B5EF4-FFF2-40B4-BE49-F238E27FC236}">
+                <a16:creationId xmlns:a16="http://schemas.microsoft.com/office/drawing/2014/main" id="{8F9677D3-44B2-5B66-71B7-B1543A9DF4D8}"/>
+              </a:ext>
+            </a:extLst>
+          </p:cNvPr>
           <p:cNvSpPr/>
           <p:nvPr/>
         </p:nvSpPr>
@@ -5431,7 +6242,13 @@
       </p:sp>
       <p:pic>
         <p:nvPicPr>
-          <p:cNvPr id="2" name="Picture 1"/>
+          <p:cNvPr id="2" name="Picture 1">
+            <a:extLst>
+              <a:ext uri="{FF2B5EF4-FFF2-40B4-BE49-F238E27FC236}">
+                <a16:creationId xmlns:a16="http://schemas.microsoft.com/office/drawing/2014/main" id="{2731ED99-003F-9B63-0C97-20993D0F4B5B}"/>
+              </a:ext>
+            </a:extLst>
+          </p:cNvPr>
           <p:cNvPicPr>
             <a:picLocks noChangeAspect="1"/>
           </p:cNvPicPr>
@@ -5460,14 +6277,20 @@
       </p:pic>
       <p:sp>
         <p:nvSpPr>
-          <p:cNvPr id="3" name="TextBox 2"/>
+          <p:cNvPr id="3" name="TextBox 2">
+            <a:extLst>
+              <a:ext uri="{FF2B5EF4-FFF2-40B4-BE49-F238E27FC236}">
+                <a16:creationId xmlns:a16="http://schemas.microsoft.com/office/drawing/2014/main" id="{0405B7C2-2826-D66C-4521-5694092DDB43}"/>
+              </a:ext>
+            </a:extLst>
+          </p:cNvPr>
           <p:cNvSpPr txBox="1"/>
           <p:nvPr/>
         </p:nvSpPr>
         <p:spPr>
           <a:xfrm>
             <a:off x="260431" y="329879"/>
-            <a:ext cx="8906720" cy="6936322"/>
+            <a:ext cx="8906720" cy="6296980"/>
           </a:xfrm>
           <a:prstGeom prst="rect">
             <a:avLst/>
@@ -5487,23 +6310,8 @@
                 </a:solidFill>
                 <a:latin typeface="Pragmatica" panose="020B0403040502020204" pitchFamily="34" charset="0"/>
               </a:rPr>
-              <a:t>Customizing outputs with Power </a:t>
-            </a:r>
-            <a:r>
-              <a:rPr lang="en-US" sz="6000" b="1" dirty="0" err="1">
-                <a:solidFill>
-                  <a:srgbClr val="CF3338"/>
-                </a:solidFill>
-                <a:latin typeface="Pragmatica" panose="020B0403040502020204" pitchFamily="34" charset="0"/>
-              </a:rPr>
-              <a:t>Fx</a:t>
-            </a:r>
-            <a:endParaRPr lang="en-US" sz="6000" b="1" dirty="0">
-              <a:solidFill>
-                <a:srgbClr val="CF3338"/>
-              </a:solidFill>
-              <a:latin typeface="Pragmatica" panose="020B0403040502020204" pitchFamily="34" charset="0"/>
-            </a:endParaRPr>
+              <a:t>Monte Carlo simulation with Copilot + Python</a:t>
+            </a:r>
           </a:p>
           <a:p>
             <a:endParaRPr lang="en-US" sz="4200" dirty="0">
@@ -5514,65 +6322,78 @@
             </a:endParaRPr>
           </a:p>
           <a:p>
-            <a:pPr marL="342900" marR="0" lvl="0" indent="-342900">
+            <a:pPr marL="685800" indent="-542925">
               <a:lnSpc>
                 <a:spcPct val="115000"/>
               </a:lnSpc>
               <a:spcBef>
-                <a:spcPts val="0"/>
+                <a:spcPts val="1125"/>
               </a:spcBef>
-              <a:spcAft>
-                <a:spcPts val="0"/>
-              </a:spcAft>
-              <a:buFont typeface="+mj-lt"/>
+              <a:buClr>
+                <a:srgbClr val="C00000"/>
+              </a:buClr>
+              <a:buSzPts val="2100"/>
+              <a:buFont typeface="Arial"/>
               <a:buAutoNum type="arabicPeriod"/>
             </a:pPr>
             <a:r>
-              <a:rPr lang="en-US" sz="3200" kern="100" dirty="0">
+              <a:rPr lang="en-US" sz="3600" dirty="0">
                 <a:solidFill>
-                  <a:srgbClr val="CF3338"/>
+                  <a:srgbClr val="C00000"/>
                 </a:solidFill>
-                <a:effectLst/>
                 <a:latin typeface="Pragmatica" panose="020B0403040502020204"/>
-                <a:ea typeface="Aptos" panose="020B0004020202020204" pitchFamily="34" charset="0"/>
-                <a:cs typeface="Times New Roman" panose="02020603050405020304" pitchFamily="18" charset="0"/>
+                <a:sym typeface="Consolas"/>
               </a:rPr>
-              <a:t>Continue with the previous example</a:t>
-            </a:r>
-          </a:p>
-          <a:p>
-            <a:pPr marL="342900" marR="0" lvl="0" indent="-342900">
+              <a:t>Specify parameters via natural language</a:t>
+            </a:r>
+          </a:p>
+          <a:p>
+            <a:pPr marL="685800" indent="-542925">
               <a:lnSpc>
                 <a:spcPct val="115000"/>
               </a:lnSpc>
               <a:spcBef>
-                <a:spcPts val="0"/>
+                <a:spcPts val="1125"/>
               </a:spcBef>
-              <a:spcAft>
-                <a:spcPts val="0"/>
-              </a:spcAft>
-              <a:buFont typeface="+mj-lt"/>
+              <a:buClr>
+                <a:srgbClr val="C00000"/>
+              </a:buClr>
+              <a:buSzPts val="2100"/>
+              <a:buFont typeface="Arial"/>
               <a:buAutoNum type="arabicPeriod"/>
             </a:pPr>
             <a:r>
-              <a:rPr lang="en-US" sz="3200" kern="100" dirty="0">
+              <a:rPr lang="en-US" sz="3600" dirty="0">
                 <a:solidFill>
-                  <a:srgbClr val="CF3338"/>
+                  <a:srgbClr val="C00000"/>
                 </a:solidFill>
                 <a:latin typeface="Pragmatica" panose="020B0403040502020204"/>
-                <a:ea typeface="Aptos" panose="020B0004020202020204" pitchFamily="34" charset="0"/>
-                <a:cs typeface="Times New Roman" panose="02020603050405020304" pitchFamily="18" charset="0"/>
+                <a:sym typeface="Consolas"/>
               </a:rPr>
-              <a:t>How can we improve appearance of outputs in Excel? </a:t>
-            </a:r>
-            <a:endParaRPr lang="en-US" sz="3200" kern="100" dirty="0">
+              <a:t>Build the reproducible simulation with Python</a:t>
+            </a:r>
+          </a:p>
+          <a:p>
+            <a:pPr marL="685800" indent="-542925">
+              <a:lnSpc>
+                <a:spcPct val="115000"/>
+              </a:lnSpc>
+              <a:spcBef>
+                <a:spcPts val="1125"/>
+              </a:spcBef>
+              <a:buClr>
+                <a:srgbClr val="C00000"/>
+              </a:buClr>
+              <a:buSzPts val="2100"/>
+              <a:buFont typeface="Arial"/>
+              <a:buAutoNum type="arabicPeriod"/>
+            </a:pPr>
+            <a:endParaRPr lang="en-US" sz="3600" dirty="0">
               <a:solidFill>
-                <a:srgbClr val="CF3338"/>
+                <a:srgbClr val="C00000"/>
               </a:solidFill>
-              <a:effectLst/>
-              <a:latin typeface="Pragmatica" panose="020B0403040502020204"/>
-              <a:ea typeface="Aptos" panose="020B0004020202020204" pitchFamily="34" charset="0"/>
-              <a:cs typeface="Times New Roman" panose="02020603050405020304" pitchFamily="18" charset="0"/>
+              <a:latin typeface="Consolas" panose="020B0609020204030204" pitchFamily="49" charset="0"/>
+              <a:sym typeface="Consolas"/>
             </a:endParaRPr>
           </a:p>
           <a:p>
@@ -5596,13 +6417,24 @@
                 <a:latin typeface="Pragmatica" panose="020B0403040502020204"/>
                 <a:sym typeface="Consolas"/>
               </a:rPr>
-              <a:t>Resource: https://stringfestanalytics.com/power-automate-for-excel-how-to-understand-the-power-fx-programming-language/</a:t>
-            </a:r>
-            <a:endParaRPr lang="en-US" sz="6000" dirty="0">
+              <a:t>Worksheet: </a:t>
+            </a:r>
+            <a:r>
+              <a:rPr lang="en-US" sz="3600" dirty="0" err="1">
+                <a:solidFill>
+                  <a:srgbClr val="C00000"/>
+                </a:solidFill>
+                <a:latin typeface="Consolas" panose="020B0609020204030204" pitchFamily="49" charset="0"/>
+                <a:sym typeface="Consolas"/>
+              </a:rPr>
+              <a:t>EquitySnapshotClean</a:t>
+            </a:r>
+            <a:endParaRPr lang="en-US" sz="3600" dirty="0">
               <a:solidFill>
-                <a:srgbClr val="CF3338"/>
+                <a:srgbClr val="C00000"/>
               </a:solidFill>
-              <a:latin typeface="Pragmatica" panose="020B0403040502020204"/>
+              <a:latin typeface="Consolas" panose="020B0609020204030204" pitchFamily="49" charset="0"/>
+              <a:sym typeface="Consolas"/>
             </a:endParaRPr>
           </a:p>
         </p:txBody>
@@ -5610,7 +6442,7 @@
     </p:spTree>
     <p:extLst>
       <p:ext uri="{BB962C8B-B14F-4D97-AF65-F5344CB8AC3E}">
-        <p14:creationId xmlns:p14="http://schemas.microsoft.com/office/powerpoint/2010/main" val="1679221718"/>
+        <p14:creationId xmlns:p14="http://schemas.microsoft.com/office/powerpoint/2010/main" val="3417352217"/>
       </p:ext>
     </p:extLst>
   </p:cSld>
@@ -5628,7 +6460,7 @@
         <p:cNvPr id="1" name="">
           <a:extLst>
             <a:ext uri="{FF2B5EF4-FFF2-40B4-BE49-F238E27FC236}">
-              <a16:creationId xmlns:a16="http://schemas.microsoft.com/office/drawing/2014/main" id="{FC0679BB-E487-A9E3-1278-DBD7FB7F19FE}"/>
+              <a16:creationId xmlns:a16="http://schemas.microsoft.com/office/drawing/2014/main" id="{89A7F86A-C9A1-36F7-63F4-518236B2C003}"/>
             </a:ext>
           </a:extLst>
         </p:cNvPr>
@@ -5648,7 +6480,7 @@
           <p:cNvPr id="4" name="Rectangle 3">
             <a:extLst>
               <a:ext uri="{FF2B5EF4-FFF2-40B4-BE49-F238E27FC236}">
-                <a16:creationId xmlns:a16="http://schemas.microsoft.com/office/drawing/2014/main" id="{4B8E3D40-A823-8428-6682-B724027EAF41}"/>
+                <a16:creationId xmlns:a16="http://schemas.microsoft.com/office/drawing/2014/main" id="{9FA93C5A-E306-615A-6570-3BDCB204E0E4}"/>
               </a:ext>
             </a:extLst>
           </p:cNvPr>
@@ -5700,7 +6532,7 @@
           <p:cNvPr id="2" name="Picture 1">
             <a:extLst>
               <a:ext uri="{FF2B5EF4-FFF2-40B4-BE49-F238E27FC236}">
-                <a16:creationId xmlns:a16="http://schemas.microsoft.com/office/drawing/2014/main" id="{F524E154-15C4-0B23-E9C5-29E2DD497327}"/>
+                <a16:creationId xmlns:a16="http://schemas.microsoft.com/office/drawing/2014/main" id="{D0563824-D714-5588-FCB3-54A382D2BC17}"/>
               </a:ext>
             </a:extLst>
           </p:cNvPr>
@@ -5735,7 +6567,7 @@
           <p:cNvPr id="3" name="TextBox 2">
             <a:extLst>
               <a:ext uri="{FF2B5EF4-FFF2-40B4-BE49-F238E27FC236}">
-                <a16:creationId xmlns:a16="http://schemas.microsoft.com/office/drawing/2014/main" id="{E1343823-9545-2632-2777-4994B59C3581}"/>
+                <a16:creationId xmlns:a16="http://schemas.microsoft.com/office/drawing/2014/main" id="{E0301B72-4635-023D-51BD-0B9F1FEDF896}"/>
               </a:ext>
             </a:extLst>
           </p:cNvPr>
@@ -5745,7 +6577,7 @@
         <p:spPr>
           <a:xfrm>
             <a:off x="260431" y="329879"/>
-            <a:ext cx="8906720" cy="6791154"/>
+            <a:ext cx="8906720" cy="7571175"/>
           </a:xfrm>
           <a:prstGeom prst="rect">
             <a:avLst/>
@@ -5765,7 +6597,7 @@
                 </a:solidFill>
                 <a:latin typeface="Pragmatica" panose="020B0403040502020204" pitchFamily="34" charset="0"/>
               </a:rPr>
-              <a:t>Building flows with Copilot</a:t>
+              <a:t>Agentic reasoning &amp; analysis with Agent Analyst</a:t>
             </a:r>
           </a:p>
           <a:p>
@@ -5777,65 +6609,88 @@
             </a:endParaRPr>
           </a:p>
           <a:p>
-            <a:pPr marL="342900" marR="0" lvl="0" indent="-342900">
+            <a:pPr marL="685800" indent="-542925">
               <a:lnSpc>
                 <a:spcPct val="115000"/>
               </a:lnSpc>
               <a:spcBef>
-                <a:spcPts val="0"/>
+                <a:spcPts val="1125"/>
               </a:spcBef>
-              <a:spcAft>
-                <a:spcPts val="0"/>
-              </a:spcAft>
-              <a:buFont typeface="+mj-lt"/>
+              <a:buClr>
+                <a:srgbClr val="C00000"/>
+              </a:buClr>
+              <a:buSzPts val="2100"/>
+              <a:buFont typeface="Arial"/>
               <a:buAutoNum type="arabicPeriod"/>
             </a:pPr>
             <a:r>
-              <a:rPr lang="en-US" sz="3200" kern="100" dirty="0">
+              <a:rPr lang="en-US" sz="3600" dirty="0">
                 <a:solidFill>
-                  <a:srgbClr val="CF3338"/>
+                  <a:srgbClr val="C00000"/>
                 </a:solidFill>
-                <a:effectLst/>
                 <a:latin typeface="Pragmatica" panose="020B0403040502020204"/>
-                <a:ea typeface="Aptos" panose="020B0004020202020204" pitchFamily="34" charset="0"/>
-                <a:cs typeface="Times New Roman" panose="02020603050405020304" pitchFamily="18" charset="0"/>
+                <a:sym typeface="Consolas"/>
               </a:rPr>
-              <a:t>Get AI assistance to build a flow</a:t>
-            </a:r>
-          </a:p>
-          <a:p>
-            <a:pPr marL="342900" marR="0" lvl="0" indent="-342900">
+              <a:t>Ask Agent Analyst to diagnose valuation patterns, outliers, and sector differences</a:t>
+            </a:r>
+          </a:p>
+          <a:p>
+            <a:pPr marL="685800" indent="-542925">
               <a:lnSpc>
                 <a:spcPct val="115000"/>
               </a:lnSpc>
               <a:spcBef>
-                <a:spcPts val="0"/>
+                <a:spcPts val="1125"/>
               </a:spcBef>
-              <a:spcAft>
-                <a:spcPts val="0"/>
-              </a:spcAft>
-              <a:buFont typeface="+mj-lt"/>
+              <a:buClr>
+                <a:srgbClr val="C00000"/>
+              </a:buClr>
+              <a:buSzPts val="2100"/>
+              <a:buFont typeface="Arial"/>
               <a:buAutoNum type="arabicPeriod"/>
             </a:pPr>
             <a:r>
-              <a:rPr lang="en-US" sz="3200" kern="100" dirty="0">
+              <a:rPr lang="en-US" sz="3600" dirty="0">
                 <a:solidFill>
-                  <a:srgbClr val="CF3338"/>
+                  <a:srgbClr val="C00000"/>
                 </a:solidFill>
                 <a:latin typeface="Pragmatica" panose="020B0403040502020204"/>
-                <a:ea typeface="Aptos" panose="020B0004020202020204" pitchFamily="34" charset="0"/>
-                <a:cs typeface="Times New Roman" panose="02020603050405020304" pitchFamily="18" charset="0"/>
+                <a:sym typeface="Consolas"/>
               </a:rPr>
-              <a:t>Create a monthly email/post to Teams based on data in a workbook</a:t>
-            </a:r>
-            <a:endParaRPr lang="en-US" sz="3200" kern="100" dirty="0">
+              <a:t>Let the agent walk through its reasoning and show intermediate steps</a:t>
+            </a:r>
+          </a:p>
+          <a:p>
+            <a:pPr marL="685800" indent="-542925">
+              <a:lnSpc>
+                <a:spcPct val="115000"/>
+              </a:lnSpc>
+              <a:spcBef>
+                <a:spcPts val="1125"/>
+              </a:spcBef>
+              <a:buClr>
+                <a:srgbClr val="C00000"/>
+              </a:buClr>
+              <a:buSzPts val="2100"/>
+              <a:buFont typeface="Arial"/>
+              <a:buAutoNum type="arabicPeriod"/>
+            </a:pPr>
+            <a:r>
+              <a:rPr lang="en-US" sz="3600" dirty="0">
+                <a:solidFill>
+                  <a:srgbClr val="C00000"/>
+                </a:solidFill>
+                <a:latin typeface="Pragmatica" panose="020B0403040502020204"/>
+                <a:sym typeface="Consolas"/>
+              </a:rPr>
+              <a:t>Use its findings to draft a concise, defensible executive summary</a:t>
+            </a:r>
+            <a:endParaRPr lang="en-US" sz="3600" dirty="0">
               <a:solidFill>
-                <a:srgbClr val="CF3338"/>
+                <a:srgbClr val="C00000"/>
               </a:solidFill>
-              <a:effectLst/>
-              <a:latin typeface="Pragmatica" panose="020B0403040502020204"/>
-              <a:ea typeface="Aptos" panose="020B0004020202020204" pitchFamily="34" charset="0"/>
-              <a:cs typeface="Times New Roman" panose="02020603050405020304" pitchFamily="18" charset="0"/>
+              <a:latin typeface="Consolas" panose="020B0609020204030204" pitchFamily="49" charset="0"/>
+              <a:sym typeface="Consolas"/>
             </a:endParaRPr>
           </a:p>
           <a:p>
@@ -5859,47 +6714,24 @@
                 <a:latin typeface="Pragmatica" panose="020B0403040502020204"/>
                 <a:sym typeface="Consolas"/>
               </a:rPr>
-              <a:t>File: </a:t>
-            </a:r>
-            <a:r>
-              <a:rPr lang="en-US" sz="3600" dirty="0">
+              <a:t>Worksheet: </a:t>
+            </a:r>
+            <a:r>
+              <a:rPr lang="en-US" sz="3600" dirty="0" err="1">
                 <a:solidFill>
                   <a:srgbClr val="C00000"/>
                 </a:solidFill>
                 <a:latin typeface="Consolas" panose="020B0609020204030204" pitchFamily="49" charset="0"/>
                 <a:sym typeface="Consolas"/>
               </a:rPr>
-              <a:t>power-automate-copilot.xlsx</a:t>
-            </a:r>
-          </a:p>
-          <a:p>
-            <a:pPr marL="142875">
-              <a:lnSpc>
-                <a:spcPct val="115000"/>
-              </a:lnSpc>
-              <a:spcBef>
-                <a:spcPts val="1125"/>
-              </a:spcBef>
-              <a:buClr>
+              <a:t>EquitySnapshotPlus</a:t>
+            </a:r>
+            <a:endParaRPr lang="en-US" sz="3600" dirty="0">
+              <a:solidFill>
                 <a:srgbClr val="C00000"/>
-              </a:buClr>
-              <a:buSzPts val="2100"/>
-            </a:pPr>
-            <a:r>
-              <a:rPr lang="en-US" sz="3600" dirty="0">
-                <a:solidFill>
-                  <a:srgbClr val="C00000"/>
-                </a:solidFill>
-                <a:latin typeface="Pragmatica" panose="020B0403040502020204"/>
-                <a:sym typeface="Consolas"/>
-              </a:rPr>
-              <a:t>Resource: https://stringfestanalytics.com/power-automate-for-excel-how-to-build-flows-with-copilot/</a:t>
-            </a:r>
-            <a:endParaRPr lang="en-US" sz="6000" dirty="0">
-              <a:solidFill>
-                <a:srgbClr val="CF3338"/>
               </a:solidFill>
-              <a:latin typeface="Pragmatica" panose="020B0403040502020204"/>
+              <a:latin typeface="Consolas" panose="020B0609020204030204" pitchFamily="49" charset="0"/>
+              <a:sym typeface="Consolas"/>
             </a:endParaRPr>
           </a:p>
         </p:txBody>
@@ -5907,7 +6739,7 @@
     </p:spTree>
     <p:extLst>
       <p:ext uri="{BB962C8B-B14F-4D97-AF65-F5344CB8AC3E}">
-        <p14:creationId xmlns:p14="http://schemas.microsoft.com/office/powerpoint/2010/main" val="445953425"/>
+        <p14:creationId xmlns:p14="http://schemas.microsoft.com/office/powerpoint/2010/main" val="126992049"/>
       </p:ext>
     </p:extLst>
   </p:cSld>
@@ -5922,7 +6754,13 @@
   <p:cSld>
     <p:spTree>
       <p:nvGrpSpPr>
-        <p:cNvPr id="1" name=""/>
+        <p:cNvPr id="1" name="">
+          <a:extLst>
+            <a:ext uri="{FF2B5EF4-FFF2-40B4-BE49-F238E27FC236}">
+              <a16:creationId xmlns:a16="http://schemas.microsoft.com/office/drawing/2014/main" id="{B16CB882-454A-EA2E-95D8-625286901992}"/>
+            </a:ext>
+          </a:extLst>
+        </p:cNvPr>
         <p:cNvGrpSpPr/>
         <p:nvPr/>
       </p:nvGrpSpPr>
@@ -5934,105 +6772,64 @@
           <a:chExt cx="0" cy="0"/>
         </a:xfrm>
       </p:grpSpPr>
-      <p:pic>
-        <p:nvPicPr>
-          <p:cNvPr id="10" name="Picture 9"/>
-          <p:cNvPicPr>
-            <a:picLocks noChangeAspect="1"/>
-          </p:cNvPicPr>
-          <p:nvPr/>
-        </p:nvPicPr>
-        <p:blipFill rotWithShape="1">
-          <a:blip r:embed="rId2">
+      <p:sp>
+        <p:nvSpPr>
+          <p:cNvPr id="4" name="Rectangle 3">
             <a:extLst>
-              <a:ext uri="{28A0092B-C50C-407E-A947-70E740481C1C}">
-                <a14:useLocalDpi xmlns:a14="http://schemas.microsoft.com/office/drawing/2010/main" val="0"/>
+              <a:ext uri="{FF2B5EF4-FFF2-40B4-BE49-F238E27FC236}">
+                <a16:creationId xmlns:a16="http://schemas.microsoft.com/office/drawing/2014/main" id="{66D9137F-AB84-4A7D-C46D-CD5ECFE5D7F4}"/>
               </a:ext>
             </a:extLst>
-          </a:blip>
-          <a:srcRect l="50728" t="56371"/>
-          <a:stretch/>
-        </p:blipFill>
+          </p:cNvPr>
+          <p:cNvSpPr/>
+          <p:nvPr/>
+        </p:nvSpPr>
         <p:spPr>
           <a:xfrm>
-            <a:off x="12204691" y="3316148"/>
-            <a:ext cx="6083309" cy="6970854"/>
+            <a:off x="9861630" y="0"/>
+            <a:ext cx="8426370" cy="10287000"/>
           </a:xfrm>
           <a:prstGeom prst="rect">
             <a:avLst/>
           </a:prstGeom>
+          <a:solidFill>
+            <a:srgbClr val="CF3338"/>
+          </a:solidFill>
+          <a:ln>
+            <a:noFill/>
+          </a:ln>
         </p:spPr>
-      </p:pic>
+        <p:style>
+          <a:lnRef idx="2">
+            <a:schemeClr val="accent1">
+              <a:shade val="50000"/>
+            </a:schemeClr>
+          </a:lnRef>
+          <a:fillRef idx="1">
+            <a:schemeClr val="accent1"/>
+          </a:fillRef>
+          <a:effectRef idx="0">
+            <a:schemeClr val="accent1"/>
+          </a:effectRef>
+          <a:fontRef idx="minor">
+            <a:schemeClr val="lt1"/>
+          </a:fontRef>
+        </p:style>
+        <p:txBody>
+          <a:bodyPr rtlCol="0" anchor="ctr"/>
+          <a:lstStyle/>
+          <a:p>
+            <a:pPr algn="ctr"/>
+            <a:endParaRPr lang="en-US" sz="2700"/>
+          </a:p>
+        </p:txBody>
+      </p:sp>
       <p:pic>
         <p:nvPicPr>
-          <p:cNvPr id="4" name="Picture 3"/>
-          <p:cNvPicPr>
-            <a:picLocks noChangeAspect="1"/>
-          </p:cNvPicPr>
-          <p:nvPr/>
-        </p:nvPicPr>
-        <p:blipFill>
-          <a:blip r:embed="rId3">
-            <a:extLst>
-              <a:ext uri="{28A0092B-C50C-407E-A947-70E740481C1C}">
-                <a14:useLocalDpi xmlns:a14="http://schemas.microsoft.com/office/drawing/2010/main" val="0"/>
-              </a:ext>
-            </a:extLst>
-          </a:blip>
-          <a:stretch>
-            <a:fillRect/>
-          </a:stretch>
-        </p:blipFill>
-        <p:spPr>
-          <a:xfrm>
-            <a:off x="-807744" y="-3724155"/>
-            <a:ext cx="15257208" cy="11189825"/>
-          </a:xfrm>
-          <a:prstGeom prst="rect">
-            <a:avLst/>
-          </a:prstGeom>
-        </p:spPr>
-      </p:pic>
-      <p:sp>
-        <p:nvSpPr>
-          <p:cNvPr id="11" name="TextBox 10"/>
-          <p:cNvSpPr txBox="1"/>
-          <p:nvPr/>
-        </p:nvSpPr>
-        <p:spPr>
-          <a:xfrm>
-            <a:off x="486137" y="2531318"/>
-            <a:ext cx="11979797" cy="923330"/>
-          </a:xfrm>
-          <a:prstGeom prst="rect">
-            <a:avLst/>
-          </a:prstGeom>
-          <a:noFill/>
-        </p:spPr>
-        <p:txBody>
-          <a:bodyPr wrap="square" rtlCol="0">
-            <a:spAutoFit/>
-          </a:bodyPr>
-          <a:lstStyle/>
-          <a:p>
-            <a:r>
-              <a:rPr lang="en-US" sz="5400" b="1" dirty="0">
-                <a:solidFill>
-                  <a:srgbClr val="CF3338"/>
-                </a:solidFill>
-                <a:latin typeface="Pragmatica" panose="020B0403040502020204" pitchFamily="34" charset="0"/>
-              </a:rPr>
-              <a:t>Questions?</a:t>
-            </a:r>
-          </a:p>
-        </p:txBody>
-      </p:sp>
-      <p:pic>
-        <p:nvPicPr>
-          <p:cNvPr id="5" name="Picture 4">
+          <p:cNvPr id="2" name="Picture 1">
             <a:extLst>
               <a:ext uri="{FF2B5EF4-FFF2-40B4-BE49-F238E27FC236}">
-                <a16:creationId xmlns:a16="http://schemas.microsoft.com/office/drawing/2014/main" id="{54A06221-5316-4BCF-9FDA-BDB95FF4A778}"/>
+                <a16:creationId xmlns:a16="http://schemas.microsoft.com/office/drawing/2014/main" id="{765DE7AF-05B2-1DE1-C36A-524D3F1CCC27}"/>
               </a:ext>
             </a:extLst>
           </p:cNvPr>
@@ -6041,31 +6838,205 @@
           </p:cNvPicPr>
           <p:nvPr/>
         </p:nvPicPr>
-        <p:blipFill>
-          <a:blip r:embed="rId4">
+        <p:blipFill rotWithShape="1">
+          <a:blip r:embed="rId3">
             <a:extLst>
               <a:ext uri="{28A0092B-C50C-407E-A947-70E740481C1C}">
                 <a14:useLocalDpi xmlns:a14="http://schemas.microsoft.com/office/drawing/2010/main" val="0"/>
               </a:ext>
             </a:extLst>
           </a:blip>
-          <a:srcRect/>
+          <a:srcRect l="69227" t="33418" r="20112" b="50548"/>
           <a:stretch/>
         </p:blipFill>
         <p:spPr>
           <a:xfrm>
-            <a:off x="12204691" y="3317239"/>
-            <a:ext cx="6083309" cy="6968672"/>
+            <a:off x="15579524" y="7544693"/>
+            <a:ext cx="2708477" cy="2987579"/>
           </a:xfrm>
           <a:prstGeom prst="rect">
             <a:avLst/>
           </a:prstGeom>
         </p:spPr>
       </p:pic>
+      <p:sp>
+        <p:nvSpPr>
+          <p:cNvPr id="3" name="TextBox 2">
+            <a:extLst>
+              <a:ext uri="{FF2B5EF4-FFF2-40B4-BE49-F238E27FC236}">
+                <a16:creationId xmlns:a16="http://schemas.microsoft.com/office/drawing/2014/main" id="{4D6D2621-E985-98E9-6041-1E91616B5A2A}"/>
+              </a:ext>
+            </a:extLst>
+          </p:cNvPr>
+          <p:cNvSpPr txBox="1"/>
+          <p:nvPr/>
+        </p:nvSpPr>
+        <p:spPr>
+          <a:xfrm>
+            <a:off x="260431" y="329879"/>
+            <a:ext cx="8906720" cy="8494505"/>
+          </a:xfrm>
+          <a:prstGeom prst="rect">
+            <a:avLst/>
+          </a:prstGeom>
+          <a:noFill/>
+        </p:spPr>
+        <p:txBody>
+          <a:bodyPr wrap="square" rtlCol="0">
+            <a:spAutoFit/>
+          </a:bodyPr>
+          <a:lstStyle/>
+          <a:p>
+            <a:r>
+              <a:rPr lang="en-US" sz="6000" b="1" dirty="0">
+                <a:solidFill>
+                  <a:srgbClr val="CF3338"/>
+                </a:solidFill>
+                <a:latin typeface="Pragmatica" panose="020B0403040502020204" pitchFamily="34" charset="0"/>
+              </a:rPr>
+              <a:t>Automated workflows with Office Scripts &amp; Power Automate</a:t>
+            </a:r>
+          </a:p>
+          <a:p>
+            <a:endParaRPr lang="en-US" sz="4200" dirty="0">
+              <a:solidFill>
+                <a:srgbClr val="CF3338"/>
+              </a:solidFill>
+              <a:latin typeface="Pragmatica" panose="020B0403040502020204" pitchFamily="34" charset="0"/>
+            </a:endParaRPr>
+          </a:p>
+          <a:p>
+            <a:pPr marL="685800" indent="-542925">
+              <a:lnSpc>
+                <a:spcPct val="115000"/>
+              </a:lnSpc>
+              <a:spcBef>
+                <a:spcPts val="1125"/>
+              </a:spcBef>
+              <a:buClr>
+                <a:srgbClr val="C00000"/>
+              </a:buClr>
+              <a:buSzPts val="2100"/>
+              <a:buFont typeface="Arial"/>
+              <a:buAutoNum type="arabicPeriod"/>
+            </a:pPr>
+            <a:r>
+              <a:rPr lang="en-US" sz="3600" dirty="0">
+                <a:solidFill>
+                  <a:srgbClr val="C00000"/>
+                </a:solidFill>
+                <a:latin typeface="Pragmatica" panose="020B0403040502020204"/>
+                <a:sym typeface="Consolas"/>
+              </a:rPr>
+              <a:t>Record an Office Script for a repetitive modeling step</a:t>
+            </a:r>
+          </a:p>
+          <a:p>
+            <a:pPr marL="685800" indent="-542925">
+              <a:lnSpc>
+                <a:spcPct val="115000"/>
+              </a:lnSpc>
+              <a:spcBef>
+                <a:spcPts val="1125"/>
+              </a:spcBef>
+              <a:buClr>
+                <a:srgbClr val="C00000"/>
+              </a:buClr>
+              <a:buSzPts val="2100"/>
+              <a:buFont typeface="Arial"/>
+              <a:buAutoNum type="arabicPeriod"/>
+            </a:pPr>
+            <a:r>
+              <a:rPr lang="en-US" sz="3600" dirty="0">
+                <a:solidFill>
+                  <a:srgbClr val="C00000"/>
+                </a:solidFill>
+                <a:latin typeface="Pragmatica" panose="020B0403040502020204"/>
+                <a:sym typeface="Consolas"/>
+              </a:rPr>
+              <a:t>Use Power Automate to trigger the script automatically on a schedule or event</a:t>
+            </a:r>
+          </a:p>
+          <a:p>
+            <a:pPr marL="685800" indent="-542925">
+              <a:lnSpc>
+                <a:spcPct val="115000"/>
+              </a:lnSpc>
+              <a:spcBef>
+                <a:spcPts val="1125"/>
+              </a:spcBef>
+              <a:buClr>
+                <a:srgbClr val="C00000"/>
+              </a:buClr>
+              <a:buSzPts val="2100"/>
+              <a:buFont typeface="Arial"/>
+              <a:buAutoNum type="arabicPeriod"/>
+            </a:pPr>
+            <a:r>
+              <a:rPr lang="en-US" sz="3600" dirty="0">
+                <a:solidFill>
+                  <a:srgbClr val="C00000"/>
+                </a:solidFill>
+                <a:latin typeface="Pragmatica" panose="020B0403040502020204"/>
+                <a:sym typeface="Consolas"/>
+              </a:rPr>
+              <a:t>Show how automation removes manual touchpoints without sacrificing control</a:t>
+            </a:r>
+            <a:endParaRPr lang="en-US" sz="3600" dirty="0">
+              <a:solidFill>
+                <a:srgbClr val="C00000"/>
+              </a:solidFill>
+              <a:latin typeface="Consolas" panose="020B0609020204030204" pitchFamily="49" charset="0"/>
+              <a:sym typeface="Consolas"/>
+            </a:endParaRPr>
+          </a:p>
+          <a:p>
+            <a:pPr marL="142875">
+              <a:lnSpc>
+                <a:spcPct val="115000"/>
+              </a:lnSpc>
+              <a:spcBef>
+                <a:spcPts val="1125"/>
+              </a:spcBef>
+              <a:buClr>
+                <a:srgbClr val="C00000"/>
+              </a:buClr>
+              <a:buSzPts val="2100"/>
+            </a:pPr>
+            <a:r>
+              <a:rPr lang="en-US" sz="3600" dirty="0">
+                <a:solidFill>
+                  <a:srgbClr val="C00000"/>
+                </a:solidFill>
+                <a:latin typeface="Pragmatica" panose="020B0403040502020204"/>
+                <a:sym typeface="Consolas"/>
+              </a:rPr>
+              <a:t>Worksheet: </a:t>
+            </a:r>
+            <a:r>
+              <a:rPr lang="en-US" sz="3600" dirty="0" err="1">
+                <a:solidFill>
+                  <a:srgbClr val="C00000"/>
+                </a:solidFill>
+                <a:latin typeface="Consolas" panose="020B0609020204030204" pitchFamily="49" charset="0"/>
+                <a:sym typeface="Consolas"/>
+              </a:rPr>
+              <a:t>EquitySnapshotPlus</a:t>
+            </a:r>
+            <a:endParaRPr lang="en-US" sz="3600" dirty="0">
+              <a:solidFill>
+                <a:srgbClr val="C00000"/>
+              </a:solidFill>
+              <a:latin typeface="Consolas" panose="020B0609020204030204" pitchFamily="49" charset="0"/>
+              <a:sym typeface="Consolas"/>
+            </a:endParaRPr>
+          </a:p>
+        </p:txBody>
+      </p:sp>
     </p:spTree>
     <p:extLst>
       <p:ext uri="{BB962C8B-B14F-4D97-AF65-F5344CB8AC3E}">
-        <p14:creationId xmlns:p14="http://schemas.microsoft.com/office/powerpoint/2010/main" val="1689860732"/>
+        <p14:creationId xmlns:p14="http://schemas.microsoft.com/office/powerpoint/2010/main" val="1819728652"/>
       </p:ext>
     </p:extLst>
   </p:cSld>

--- a/ai-financial-modeling-fmi.pptx
+++ b/ai-financial-modeling-fmi.pptx
@@ -247,7 +247,7 @@
           <a:p>
             <a:fld id="{17A98A70-FA8C-4354-959C-C70678AC9BCF}" type="datetimeFigureOut">
               <a:rPr lang="en-US" smtClean="0"/>
-              <a:t>11/17/2025</a:t>
+              <a:t>12/29/2025</a:t>
             </a:fld>
             <a:endParaRPr lang="en-US"/>
           </a:p>
@@ -1306,7 +1306,7 @@
             <a:fld id="{1D8BD707-D9CF-40AE-B4C6-C98DA3205C09}" type="datetimeFigureOut">
               <a:rPr lang="en-US" smtClean="0"/>
               <a:pPr/>
-              <a:t>11/17/2025</a:t>
+              <a:t>12/29/2025</a:t>
             </a:fld>
             <a:endParaRPr lang="en-US"/>
           </a:p>
@@ -1471,7 +1471,7 @@
             <a:fld id="{1D8BD707-D9CF-40AE-B4C6-C98DA3205C09}" type="datetimeFigureOut">
               <a:rPr lang="en-US" smtClean="0"/>
               <a:pPr/>
-              <a:t>11/17/2025</a:t>
+              <a:t>12/29/2025</a:t>
             </a:fld>
             <a:endParaRPr lang="en-US"/>
           </a:p>
@@ -1646,7 +1646,7 @@
             <a:fld id="{1D8BD707-D9CF-40AE-B4C6-C98DA3205C09}" type="datetimeFigureOut">
               <a:rPr lang="en-US" smtClean="0"/>
               <a:pPr/>
-              <a:t>11/17/2025</a:t>
+              <a:t>12/29/2025</a:t>
             </a:fld>
             <a:endParaRPr lang="en-US"/>
           </a:p>
@@ -1811,7 +1811,7 @@
             <a:fld id="{1D8BD707-D9CF-40AE-B4C6-C98DA3205C09}" type="datetimeFigureOut">
               <a:rPr lang="en-US" smtClean="0"/>
               <a:pPr/>
-              <a:t>11/17/2025</a:t>
+              <a:t>12/29/2025</a:t>
             </a:fld>
             <a:endParaRPr lang="en-US"/>
           </a:p>
@@ -2053,7 +2053,7 @@
             <a:fld id="{1D8BD707-D9CF-40AE-B4C6-C98DA3205C09}" type="datetimeFigureOut">
               <a:rPr lang="en-US" smtClean="0"/>
               <a:pPr/>
-              <a:t>11/17/2025</a:t>
+              <a:t>12/29/2025</a:t>
             </a:fld>
             <a:endParaRPr lang="en-US"/>
           </a:p>
@@ -2335,7 +2335,7 @@
             <a:fld id="{1D8BD707-D9CF-40AE-B4C6-C98DA3205C09}" type="datetimeFigureOut">
               <a:rPr lang="en-US" smtClean="0"/>
               <a:pPr/>
-              <a:t>11/17/2025</a:t>
+              <a:t>12/29/2025</a:t>
             </a:fld>
             <a:endParaRPr lang="en-US"/>
           </a:p>
@@ -2751,7 +2751,7 @@
             <a:fld id="{1D8BD707-D9CF-40AE-B4C6-C98DA3205C09}" type="datetimeFigureOut">
               <a:rPr lang="en-US" smtClean="0"/>
               <a:pPr/>
-              <a:t>11/17/2025</a:t>
+              <a:t>12/29/2025</a:t>
             </a:fld>
             <a:endParaRPr lang="en-US"/>
           </a:p>
@@ -2865,7 +2865,7 @@
             <a:fld id="{1D8BD707-D9CF-40AE-B4C6-C98DA3205C09}" type="datetimeFigureOut">
               <a:rPr lang="en-US" smtClean="0"/>
               <a:pPr/>
-              <a:t>11/17/2025</a:t>
+              <a:t>12/29/2025</a:t>
             </a:fld>
             <a:endParaRPr lang="en-US"/>
           </a:p>
@@ -2957,7 +2957,7 @@
             <a:fld id="{1D8BD707-D9CF-40AE-B4C6-C98DA3205C09}" type="datetimeFigureOut">
               <a:rPr lang="en-US" smtClean="0"/>
               <a:pPr/>
-              <a:t>11/17/2025</a:t>
+              <a:t>12/29/2025</a:t>
             </a:fld>
             <a:endParaRPr lang="en-US"/>
           </a:p>
@@ -3229,7 +3229,7 @@
             <a:fld id="{1D8BD707-D9CF-40AE-B4C6-C98DA3205C09}" type="datetimeFigureOut">
               <a:rPr lang="en-US" smtClean="0"/>
               <a:pPr/>
-              <a:t>11/17/2025</a:t>
+              <a:t>12/29/2025</a:t>
             </a:fld>
             <a:endParaRPr lang="en-US"/>
           </a:p>
@@ -3478,7 +3478,7 @@
             <a:fld id="{1D8BD707-D9CF-40AE-B4C6-C98DA3205C09}" type="datetimeFigureOut">
               <a:rPr lang="en-US" smtClean="0"/>
               <a:pPr/>
-              <a:t>11/17/2025</a:t>
+              <a:t>12/29/2025</a:t>
             </a:fld>
             <a:endParaRPr lang="en-US"/>
           </a:p>
@@ -3691,7 +3691,7 @@
             <a:fld id="{1D8BD707-D9CF-40AE-B4C6-C98DA3205C09}" type="datetimeFigureOut">
               <a:rPr lang="en-US" smtClean="0"/>
               <a:pPr/>
-              <a:t>11/17/2025</a:t>
+              <a:t>12/29/2025</a:t>
             </a:fld>
             <a:endParaRPr lang="en-US"/>
           </a:p>
@@ -6597,8 +6597,23 @@
                 </a:solidFill>
                 <a:latin typeface="Pragmatica" panose="020B0403040502020204" pitchFamily="34" charset="0"/>
               </a:rPr>
-              <a:t>Agentic reasoning &amp; analysis with Agent Analyst</a:t>
-            </a:r>
+              <a:t>Agentic reasoning &amp; analysis </a:t>
+            </a:r>
+            <a:r>
+              <a:rPr lang="en-US" sz="6000" b="1">
+                <a:solidFill>
+                  <a:srgbClr val="CF3338"/>
+                </a:solidFill>
+                <a:latin typeface="Pragmatica" panose="020B0403040502020204" pitchFamily="34" charset="0"/>
+              </a:rPr>
+              <a:t>with Analyst Agent</a:t>
+            </a:r>
+            <a:endParaRPr lang="en-US" sz="6000" b="1" dirty="0">
+              <a:solidFill>
+                <a:srgbClr val="CF3338"/>
+              </a:solidFill>
+              <a:latin typeface="Pragmatica" panose="020B0403040502020204" pitchFamily="34" charset="0"/>
+            </a:endParaRPr>
           </a:p>
           <a:p>
             <a:endParaRPr lang="en-US" sz="4200" dirty="0">

--- a/ai-financial-modeling-fmi.pptx
+++ b/ai-financial-modeling-fmi.pptx
@@ -9,7 +9,7 @@
   </p:notesMasterIdLst>
   <p:sldIdLst>
     <p:sldId id="256" r:id="rId2"/>
-    <p:sldId id="425" r:id="rId3"/>
+    <p:sldId id="441" r:id="rId3"/>
     <p:sldId id="426" r:id="rId4"/>
     <p:sldId id="435" r:id="rId5"/>
     <p:sldId id="436" r:id="rId6"/>
@@ -247,7 +247,7 @@
           <a:p>
             <a:fld id="{17A98A70-FA8C-4354-959C-C70678AC9BCF}" type="datetimeFigureOut">
               <a:rPr lang="en-US" smtClean="0"/>
-              <a:t>12/29/2025</a:t>
+              <a:t>1/7/2026</a:t>
             </a:fld>
             <a:endParaRPr lang="en-US"/>
           </a:p>
@@ -558,31 +558,27 @@
           <a:bodyPr/>
           <a:lstStyle/>
           <a:p>
-            <a:pPr marL="228600" indent="-228600">
-              <a:buAutoNum type="arabicPeriod"/>
-            </a:pPr>
             <a:r>
               <a:rPr lang="en-US" dirty="0"/>
-              <a:t>False!</a:t>
-            </a:r>
-          </a:p>
-          <a:p>
-            <a:pPr marL="228600" indent="-228600">
-              <a:buAutoNum type="arabicPeriod"/>
-            </a:pPr>
+              <a:t>Today I want to talk about what the </a:t>
+            </a:r>
+            <a:r>
+              <a:rPr lang="en-US" i="1" dirty="0"/>
+              <a:t>modern</a:t>
+            </a:r>
             <a:r>
               <a:rPr lang="en-US" dirty="0"/>
-              <a:t>Function, Formula, Function</a:t>
-            </a:r>
-          </a:p>
-          <a:p>
-            <a:pPr marL="228600" indent="-228600">
-              <a:buAutoNum type="arabicPeriod"/>
-            </a:pPr>
+              <a:t> Excel modeling stack actually looks like when you add AI into the mix — not in theory, not in marketing decks, but in workflows financial modelers can defend.</a:t>
+            </a:r>
+          </a:p>
+          <a:p>
             <a:r>
               <a:rPr lang="en-US" dirty="0"/>
-              <a:t>Argument</a:t>
-            </a:r>
+              <a:t>This isn’t about replacing Excel. It’s about extending it — with Copilot, Python, automation, and agents — in ways that still respect auditability, control, and judgment.</a:t>
+            </a:r>
+          </a:p>
+          <a:p>
+            <a:endParaRPr lang="en-US" dirty="0"/>
           </a:p>
         </p:txBody>
       </p:sp>
@@ -601,9 +597,9 @@
           <a:bodyPr/>
           <a:lstStyle/>
           <a:p>
-            <a:fld id="{1300335D-9F13-4B80-ADC5-B0EA3E10FF6B}" type="slidenum">
+            <a:fld id="{FFB500C5-13F7-48FC-8160-C29AECF6C602}" type="slidenum">
               <a:rPr lang="en-US" smtClean="0"/>
-              <a:t>6</a:t>
+              <a:t>1</a:t>
             </a:fld>
             <a:endParaRPr lang="en-US"/>
           </a:p>
@@ -612,7 +608,453 @@
     </p:spTree>
     <p:extLst>
       <p:ext uri="{BB962C8B-B14F-4D97-AF65-F5344CB8AC3E}">
-        <p14:creationId xmlns:p14="http://schemas.microsoft.com/office/powerpoint/2010/main" val="624549242"/>
+        <p14:creationId xmlns:p14="http://schemas.microsoft.com/office/powerpoint/2010/main" val="1698753431"/>
+      </p:ext>
+    </p:extLst>
+  </p:cSld>
+  <p:clrMapOvr>
+    <a:masterClrMapping/>
+  </p:clrMapOvr>
+</p:notes>
+</file>
+
+<file path=ppt/notesSlides/notesSlide10.xml><?xml version="1.0" encoding="utf-8"?>
+<p:notes xmlns:a="http://schemas.openxmlformats.org/drawingml/2006/main" xmlns:r="http://schemas.openxmlformats.org/officeDocument/2006/relationships" xmlns:p="http://schemas.openxmlformats.org/presentationml/2006/main">
+  <p:cSld>
+    <p:spTree>
+      <p:nvGrpSpPr>
+        <p:cNvPr id="1" name=""/>
+        <p:cNvGrpSpPr/>
+        <p:nvPr/>
+      </p:nvGrpSpPr>
+      <p:grpSpPr>
+        <a:xfrm>
+          <a:off x="0" y="0"/>
+          <a:ext cx="0" cy="0"/>
+          <a:chOff x="0" y="0"/>
+          <a:chExt cx="0" cy="0"/>
+        </a:xfrm>
+      </p:grpSpPr>
+      <p:sp>
+        <p:nvSpPr>
+          <p:cNvPr id="2" name="Slide Image Placeholder 1"/>
+          <p:cNvSpPr>
+            <a:spLocks noGrp="1" noRot="1" noChangeAspect="1"/>
+          </p:cNvSpPr>
+          <p:nvPr>
+            <p:ph type="sldImg"/>
+          </p:nvPr>
+        </p:nvSpPr>
+        <p:spPr/>
+      </p:sp>
+      <p:sp>
+        <p:nvSpPr>
+          <p:cNvPr id="3" name="Notes Placeholder 2"/>
+          <p:cNvSpPr>
+            <a:spLocks noGrp="1"/>
+          </p:cNvSpPr>
+          <p:nvPr>
+            <p:ph type="body" idx="1"/>
+          </p:nvPr>
+        </p:nvSpPr>
+        <p:spPr/>
+        <p:txBody>
+          <a:bodyPr/>
+          <a:lstStyle/>
+          <a:p>
+            <a:r>
+              <a:rPr lang="en-US" dirty="0"/>
+              <a:t>Agent Mode is where AI starts to feel less like a chat window and more like a coordinator.</a:t>
+            </a:r>
+          </a:p>
+          <a:p>
+            <a:r>
+              <a:rPr lang="en-US" dirty="0"/>
+              <a:t>Instead of issuing one-off prompts, you can ask the agent to manage multi-step work across sheets, tables, and tools — formulas, charts, explanations, all in one pass.</a:t>
+            </a:r>
+          </a:p>
+          <a:p>
+            <a:r>
+              <a:rPr lang="en-US" dirty="0"/>
+              <a:t>The critical part is oversight. You don’t “run and trust.” You review, approve, and decide what sticks.</a:t>
+            </a:r>
+          </a:p>
+          <a:p>
+            <a:r>
+              <a:rPr lang="en-US" dirty="0"/>
+              <a:t>Think of Agent Mode as a junior analyst who can move quickly — but still needs supervision to keep things defensible.</a:t>
+            </a:r>
+          </a:p>
+          <a:p>
+            <a:pPr marL="0" indent="0">
+              <a:buNone/>
+            </a:pPr>
+            <a:endParaRPr lang="en-US" dirty="0"/>
+          </a:p>
+        </p:txBody>
+      </p:sp>
+      <p:sp>
+        <p:nvSpPr>
+          <p:cNvPr id="4" name="Slide Number Placeholder 3"/>
+          <p:cNvSpPr>
+            <a:spLocks noGrp="1"/>
+          </p:cNvSpPr>
+          <p:nvPr>
+            <p:ph type="sldNum" sz="quarter" idx="5"/>
+          </p:nvPr>
+        </p:nvSpPr>
+        <p:spPr/>
+        <p:txBody>
+          <a:bodyPr/>
+          <a:lstStyle/>
+          <a:p>
+            <a:fld id="{1300335D-9F13-4B80-ADC5-B0EA3E10FF6B}" type="slidenum">
+              <a:rPr lang="en-US" smtClean="0"/>
+              <a:t>10</a:t>
+            </a:fld>
+            <a:endParaRPr lang="en-US"/>
+          </a:p>
+        </p:txBody>
+      </p:sp>
+    </p:spTree>
+    <p:extLst>
+      <p:ext uri="{BB962C8B-B14F-4D97-AF65-F5344CB8AC3E}">
+        <p14:creationId xmlns:p14="http://schemas.microsoft.com/office/powerpoint/2010/main" val="3864329887"/>
+      </p:ext>
+    </p:extLst>
+  </p:cSld>
+  <p:clrMapOvr>
+    <a:masterClrMapping/>
+  </p:clrMapOvr>
+</p:notes>
+</file>
+
+<file path=ppt/notesSlides/notesSlide11.xml><?xml version="1.0" encoding="utf-8"?>
+<p:notes xmlns:a="http://schemas.openxmlformats.org/drawingml/2006/main" xmlns:r="http://schemas.openxmlformats.org/officeDocument/2006/relationships" xmlns:p="http://schemas.openxmlformats.org/presentationml/2006/main">
+  <p:cSld>
+    <p:spTree>
+      <p:nvGrpSpPr>
+        <p:cNvPr id="1" name=""/>
+        <p:cNvGrpSpPr/>
+        <p:nvPr/>
+      </p:nvGrpSpPr>
+      <p:grpSpPr>
+        <a:xfrm>
+          <a:off x="0" y="0"/>
+          <a:ext cx="0" cy="0"/>
+          <a:chOff x="0" y="0"/>
+          <a:chExt cx="0" cy="0"/>
+        </a:xfrm>
+      </p:grpSpPr>
+      <p:sp>
+        <p:nvSpPr>
+          <p:cNvPr id="2" name="Slide Image Placeholder 1"/>
+          <p:cNvSpPr>
+            <a:spLocks noGrp="1" noRot="1" noChangeAspect="1"/>
+          </p:cNvSpPr>
+          <p:nvPr>
+            <p:ph type="sldImg"/>
+          </p:nvPr>
+        </p:nvSpPr>
+        <p:spPr/>
+      </p:sp>
+      <p:sp>
+        <p:nvSpPr>
+          <p:cNvPr id="3" name="Notes Placeholder 2"/>
+          <p:cNvSpPr>
+            <a:spLocks noGrp="1"/>
+          </p:cNvSpPr>
+          <p:nvPr>
+            <p:ph type="body" idx="1"/>
+          </p:nvPr>
+        </p:nvSpPr>
+        <p:spPr/>
+        <p:txBody>
+          <a:bodyPr/>
+          <a:lstStyle/>
+          <a:p>
+            <a:r>
+              <a:rPr lang="en-US" dirty="0"/>
+              <a:t>I’m bringing this stack back up deliberately.</a:t>
+            </a:r>
+          </a:p>
+          <a:p>
+            <a:r>
+              <a:rPr lang="en-US" dirty="0"/>
+              <a:t>Notice that Agent Mode lives </a:t>
+            </a:r>
+            <a:r>
+              <a:rPr lang="en-US" i="1" dirty="0"/>
+              <a:t>inside</a:t>
+            </a:r>
+            <a:r>
+              <a:rPr lang="en-US" dirty="0"/>
+              <a:t> Excel — not above it, not replacing it.</a:t>
+            </a:r>
+          </a:p>
+          <a:p>
+            <a:r>
+              <a:rPr lang="en-US" dirty="0"/>
+              <a:t>That’s intentional. The closer AI stays to structured data, the more useful and trustworthy it becomes.</a:t>
+            </a:r>
+          </a:p>
+          <a:p>
+            <a:r>
+              <a:rPr lang="en-US" dirty="0"/>
+              <a:t>When people try to jump straight to agents without clean data or repeatable workflows underneath, things fall apart fast.</a:t>
+            </a:r>
+          </a:p>
+          <a:p>
+            <a:endParaRPr lang="en-US" dirty="0"/>
+          </a:p>
+        </p:txBody>
+      </p:sp>
+      <p:sp>
+        <p:nvSpPr>
+          <p:cNvPr id="4" name="Slide Number Placeholder 3"/>
+          <p:cNvSpPr>
+            <a:spLocks noGrp="1"/>
+          </p:cNvSpPr>
+          <p:nvPr>
+            <p:ph type="sldNum" sz="quarter" idx="5"/>
+          </p:nvPr>
+        </p:nvSpPr>
+        <p:spPr/>
+        <p:txBody>
+          <a:bodyPr/>
+          <a:lstStyle/>
+          <a:p>
+            <a:fld id="{FFB500C5-13F7-48FC-8160-C29AECF6C602}" type="slidenum">
+              <a:rPr lang="en-US" smtClean="0"/>
+              <a:t>11</a:t>
+            </a:fld>
+            <a:endParaRPr lang="en-US"/>
+          </a:p>
+        </p:txBody>
+      </p:sp>
+    </p:spTree>
+    <p:extLst>
+      <p:ext uri="{BB962C8B-B14F-4D97-AF65-F5344CB8AC3E}">
+        <p14:creationId xmlns:p14="http://schemas.microsoft.com/office/powerpoint/2010/main" val="1646971940"/>
+      </p:ext>
+    </p:extLst>
+  </p:cSld>
+  <p:clrMapOvr>
+    <a:masterClrMapping/>
+  </p:clrMapOvr>
+</p:notes>
+</file>
+
+<file path=ppt/notesSlides/notesSlide12.xml><?xml version="1.0" encoding="utf-8"?>
+<p:notes xmlns:a="http://schemas.openxmlformats.org/drawingml/2006/main" xmlns:r="http://schemas.openxmlformats.org/officeDocument/2006/relationships" xmlns:p="http://schemas.openxmlformats.org/presentationml/2006/main">
+  <p:cSld>
+    <p:spTree>
+      <p:nvGrpSpPr>
+        <p:cNvPr id="1" name=""/>
+        <p:cNvGrpSpPr/>
+        <p:nvPr/>
+      </p:nvGrpSpPr>
+      <p:grpSpPr>
+        <a:xfrm>
+          <a:off x="0" y="0"/>
+          <a:ext cx="0" cy="0"/>
+          <a:chOff x="0" y="0"/>
+          <a:chExt cx="0" cy="0"/>
+        </a:xfrm>
+      </p:grpSpPr>
+      <p:sp>
+        <p:nvSpPr>
+          <p:cNvPr id="2" name="Slide Image Placeholder 1"/>
+          <p:cNvSpPr>
+            <a:spLocks noGrp="1" noRot="1" noChangeAspect="1"/>
+          </p:cNvSpPr>
+          <p:nvPr>
+            <p:ph type="sldImg"/>
+          </p:nvPr>
+        </p:nvSpPr>
+        <p:spPr/>
+      </p:sp>
+      <p:sp>
+        <p:nvSpPr>
+          <p:cNvPr id="3" name="Notes Placeholder 2"/>
+          <p:cNvSpPr>
+            <a:spLocks noGrp="1"/>
+          </p:cNvSpPr>
+          <p:nvPr>
+            <p:ph type="body" idx="1"/>
+          </p:nvPr>
+        </p:nvSpPr>
+        <p:spPr/>
+        <p:txBody>
+          <a:bodyPr/>
+          <a:lstStyle/>
+          <a:p>
+            <a:r>
+              <a:rPr lang="en-US" dirty="0"/>
+              <a:t>I’ll pause here for questions.</a:t>
+            </a:r>
+          </a:p>
+          <a:p>
+            <a:r>
+              <a:rPr lang="en-US" dirty="0"/>
+              <a:t>And just to set expectations — I’m happy to talk about where this </a:t>
+            </a:r>
+            <a:r>
+              <a:rPr lang="en-US" i="1" dirty="0"/>
+              <a:t>doesn’t</a:t>
+            </a:r>
+            <a:r>
+              <a:rPr lang="en-US" dirty="0"/>
+              <a:t> work yet, where it’s rough, or where finance teams should be cautious.</a:t>
+            </a:r>
+          </a:p>
+          <a:p>
+            <a:r>
+              <a:rPr lang="en-US" dirty="0"/>
+              <a:t>There are no bonus points for pretending this stuff is perfect.</a:t>
+            </a:r>
+          </a:p>
+          <a:p>
+            <a:endParaRPr lang="en-US" dirty="0"/>
+          </a:p>
+        </p:txBody>
+      </p:sp>
+      <p:sp>
+        <p:nvSpPr>
+          <p:cNvPr id="4" name="Slide Number Placeholder 3"/>
+          <p:cNvSpPr>
+            <a:spLocks noGrp="1"/>
+          </p:cNvSpPr>
+          <p:nvPr>
+            <p:ph type="sldNum" sz="quarter" idx="5"/>
+          </p:nvPr>
+        </p:nvSpPr>
+        <p:spPr/>
+        <p:txBody>
+          <a:bodyPr/>
+          <a:lstStyle/>
+          <a:p>
+            <a:fld id="{FFB500C5-13F7-48FC-8160-C29AECF6C602}" type="slidenum">
+              <a:rPr lang="en-US" smtClean="0"/>
+              <a:t>12</a:t>
+            </a:fld>
+            <a:endParaRPr lang="en-US"/>
+          </a:p>
+        </p:txBody>
+      </p:sp>
+    </p:spTree>
+    <p:extLst>
+      <p:ext uri="{BB962C8B-B14F-4D97-AF65-F5344CB8AC3E}">
+        <p14:creationId xmlns:p14="http://schemas.microsoft.com/office/powerpoint/2010/main" val="1464391345"/>
+      </p:ext>
+    </p:extLst>
+  </p:cSld>
+  <p:clrMapOvr>
+    <a:masterClrMapping/>
+  </p:clrMapOvr>
+</p:notes>
+</file>
+
+<file path=ppt/notesSlides/notesSlide13.xml><?xml version="1.0" encoding="utf-8"?>
+<p:notes xmlns:a="http://schemas.openxmlformats.org/drawingml/2006/main" xmlns:r="http://schemas.openxmlformats.org/officeDocument/2006/relationships" xmlns:p="http://schemas.openxmlformats.org/presentationml/2006/main">
+  <p:cSld>
+    <p:spTree>
+      <p:nvGrpSpPr>
+        <p:cNvPr id="1" name=""/>
+        <p:cNvGrpSpPr/>
+        <p:nvPr/>
+      </p:nvGrpSpPr>
+      <p:grpSpPr>
+        <a:xfrm>
+          <a:off x="0" y="0"/>
+          <a:ext cx="0" cy="0"/>
+          <a:chOff x="0" y="0"/>
+          <a:chExt cx="0" cy="0"/>
+        </a:xfrm>
+      </p:grpSpPr>
+      <p:sp>
+        <p:nvSpPr>
+          <p:cNvPr id="2" name="Slide Image Placeholder 1"/>
+          <p:cNvSpPr>
+            <a:spLocks noGrp="1" noRot="1" noChangeAspect="1"/>
+          </p:cNvSpPr>
+          <p:nvPr>
+            <p:ph type="sldImg"/>
+          </p:nvPr>
+        </p:nvSpPr>
+        <p:spPr/>
+      </p:sp>
+      <p:sp>
+        <p:nvSpPr>
+          <p:cNvPr id="3" name="Notes Placeholder 2"/>
+          <p:cNvSpPr>
+            <a:spLocks noGrp="1"/>
+          </p:cNvSpPr>
+          <p:nvPr>
+            <p:ph type="body" idx="1"/>
+          </p:nvPr>
+        </p:nvSpPr>
+        <p:spPr/>
+        <p:txBody>
+          <a:bodyPr/>
+          <a:lstStyle/>
+          <a:p>
+            <a:r>
+              <a:rPr lang="en-US" dirty="0"/>
+              <a:t>Thanks for your time and attention.</a:t>
+            </a:r>
+          </a:p>
+          <a:p>
+            <a:r>
+              <a:rPr lang="en-US" dirty="0"/>
+              <a:t>If there’s one thing I’d leave you with, it’s this:</a:t>
+            </a:r>
+            <a:br>
+              <a:rPr lang="en-US" dirty="0"/>
+            </a:br>
+            <a:r>
+              <a:rPr lang="en-US" dirty="0"/>
+              <a:t>AI doesn’t replace modeling discipline — it rewards it.</a:t>
+            </a:r>
+          </a:p>
+          <a:p>
+            <a:r>
+              <a:rPr lang="en-US"/>
+              <a:t>The better your structure, assumptions, and documentation, the more leverage you get from these tools.</a:t>
+            </a:r>
+          </a:p>
+          <a:p>
+            <a:endParaRPr lang="en-US"/>
+          </a:p>
+        </p:txBody>
+      </p:sp>
+      <p:sp>
+        <p:nvSpPr>
+          <p:cNvPr id="4" name="Slide Number Placeholder 3"/>
+          <p:cNvSpPr>
+            <a:spLocks noGrp="1"/>
+          </p:cNvSpPr>
+          <p:nvPr>
+            <p:ph type="sldNum" sz="quarter" idx="5"/>
+          </p:nvPr>
+        </p:nvSpPr>
+        <p:spPr/>
+        <p:txBody>
+          <a:bodyPr/>
+          <a:lstStyle/>
+          <a:p>
+            <a:fld id="{FFB500C5-13F7-48FC-8160-C29AECF6C602}" type="slidenum">
+              <a:rPr lang="en-US" smtClean="0"/>
+              <a:t>13</a:t>
+            </a:fld>
+            <a:endParaRPr lang="en-US"/>
+          </a:p>
+        </p:txBody>
+      </p:sp>
+    </p:spTree>
+    <p:extLst>
+      <p:ext uri="{BB962C8B-B14F-4D97-AF65-F5344CB8AC3E}">
+        <p14:creationId xmlns:p14="http://schemas.microsoft.com/office/powerpoint/2010/main" val="2964370750"/>
       </p:ext>
     </p:extLst>
   </p:cSld>
@@ -627,13 +1069,7 @@
   <p:cSld>
     <p:spTree>
       <p:nvGrpSpPr>
-        <p:cNvPr id="1" name="">
-          <a:extLst>
-            <a:ext uri="{FF2B5EF4-FFF2-40B4-BE49-F238E27FC236}">
-              <a16:creationId xmlns:a16="http://schemas.microsoft.com/office/drawing/2014/main" id="{26FEDD0E-7B26-6A40-B99C-1DB1BA641B9F}"/>
-            </a:ext>
-          </a:extLst>
-        </p:cNvPr>
+        <p:cNvPr id="1" name=""/>
         <p:cNvGrpSpPr/>
         <p:nvPr/>
       </p:nvGrpSpPr>
@@ -647,13 +1083,7 @@
       </p:grpSpPr>
       <p:sp>
         <p:nvSpPr>
-          <p:cNvPr id="2" name="Slide Image Placeholder 1">
-            <a:extLst>
-              <a:ext uri="{FF2B5EF4-FFF2-40B4-BE49-F238E27FC236}">
-                <a16:creationId xmlns:a16="http://schemas.microsoft.com/office/drawing/2014/main" id="{4BC93FE2-3717-2EDA-F56E-5665D5A85ABB}"/>
-              </a:ext>
-            </a:extLst>
-          </p:cNvPr>
+          <p:cNvPr id="2" name="Slide Image Placeholder 1"/>
           <p:cNvSpPr>
             <a:spLocks noGrp="1" noRot="1" noChangeAspect="1"/>
           </p:cNvSpPr>
@@ -665,13 +1095,7 @@
       </p:sp>
       <p:sp>
         <p:nvSpPr>
-          <p:cNvPr id="3" name="Notes Placeholder 2">
-            <a:extLst>
-              <a:ext uri="{FF2B5EF4-FFF2-40B4-BE49-F238E27FC236}">
-                <a16:creationId xmlns:a16="http://schemas.microsoft.com/office/drawing/2014/main" id="{2C5CE75D-996B-9833-1013-EAD9BB8A2B2E}"/>
-              </a:ext>
-            </a:extLst>
-          </p:cNvPr>
+          <p:cNvPr id="3" name="Notes Placeholder 2"/>
           <p:cNvSpPr>
             <a:spLocks noGrp="1"/>
           </p:cNvSpPr>
@@ -684,43 +1108,33 @@
           <a:bodyPr/>
           <a:lstStyle/>
           <a:p>
-            <a:pPr marL="228600" indent="-228600">
-              <a:buAutoNum type="arabicPeriod"/>
-            </a:pPr>
             <a:r>
               <a:rPr lang="en-US" dirty="0"/>
-              <a:t>False!</a:t>
-            </a:r>
-          </a:p>
-          <a:p>
-            <a:pPr marL="228600" indent="-228600">
-              <a:buAutoNum type="arabicPeriod"/>
-            </a:pPr>
+              <a:t>I spend most of my time helping Excel users move away from fragile, one-off spreadsheets toward workflows they actually trust — especially in finance and accounting environments.</a:t>
+            </a:r>
+          </a:p>
+          <a:p>
             <a:r>
               <a:rPr lang="en-US" dirty="0"/>
-              <a:t>Function, Formula, Function</a:t>
-            </a:r>
-          </a:p>
-          <a:p>
-            <a:pPr marL="228600" indent="-228600">
-              <a:buAutoNum type="arabicPeriod"/>
-            </a:pPr>
+              <a:t>I’ve written a books with O’Reilly, teach on LinkedIn Learning, and serve as an Excel MVP. So what you’ll see today reflects how these tools are </a:t>
+            </a:r>
+            <a:r>
+              <a:rPr lang="en-US" i="1" dirty="0"/>
+              <a:t>actually</a:t>
+            </a:r>
             <a:r>
               <a:rPr lang="en-US" dirty="0"/>
-              <a:t>Argument</a:t>
-            </a:r>
-          </a:p>
-        </p:txBody>
-      </p:sp>
-      <p:sp>
-        <p:nvSpPr>
-          <p:cNvPr id="4" name="Slide Number Placeholder 3">
-            <a:extLst>
-              <a:ext uri="{FF2B5EF4-FFF2-40B4-BE49-F238E27FC236}">
-                <a16:creationId xmlns:a16="http://schemas.microsoft.com/office/drawing/2014/main" id="{B368AF92-EF6C-FA8B-D809-38ED0AB72A8B}"/>
-              </a:ext>
-            </a:extLst>
-          </p:cNvPr>
+              <a:t> being used, not just what’s possible in demos.</a:t>
+            </a:r>
+          </a:p>
+          <a:p>
+            <a:endParaRPr lang="en-US" dirty="0"/>
+          </a:p>
+        </p:txBody>
+      </p:sp>
+      <p:sp>
+        <p:nvSpPr>
+          <p:cNvPr id="4" name="Slide Number Placeholder 3"/>
           <p:cNvSpPr>
             <a:spLocks noGrp="1"/>
           </p:cNvSpPr>
@@ -733,9 +1147,9 @@
           <a:bodyPr/>
           <a:lstStyle/>
           <a:p>
-            <a:fld id="{1300335D-9F13-4B80-ADC5-B0EA3E10FF6B}" type="slidenum">
+            <a:fld id="{FFB500C5-13F7-48FC-8160-C29AECF6C602}" type="slidenum">
               <a:rPr lang="en-US" smtClean="0"/>
-              <a:t>7</a:t>
+              <a:t>2</a:t>
             </a:fld>
             <a:endParaRPr lang="en-US"/>
           </a:p>
@@ -744,7 +1158,7 @@
     </p:spTree>
     <p:extLst>
       <p:ext uri="{BB962C8B-B14F-4D97-AF65-F5344CB8AC3E}">
-        <p14:creationId xmlns:p14="http://schemas.microsoft.com/office/powerpoint/2010/main" val="4007448522"/>
+        <p14:creationId xmlns:p14="http://schemas.microsoft.com/office/powerpoint/2010/main" val="3550187593"/>
       </p:ext>
     </p:extLst>
   </p:cSld>
@@ -759,13 +1173,7 @@
   <p:cSld>
     <p:spTree>
       <p:nvGrpSpPr>
-        <p:cNvPr id="1" name="">
-          <a:extLst>
-            <a:ext uri="{FF2B5EF4-FFF2-40B4-BE49-F238E27FC236}">
-              <a16:creationId xmlns:a16="http://schemas.microsoft.com/office/drawing/2014/main" id="{696E22B3-BAA4-0BAA-67B7-A455E33D5A63}"/>
-            </a:ext>
-          </a:extLst>
-        </p:cNvPr>
+        <p:cNvPr id="1" name=""/>
         <p:cNvGrpSpPr/>
         <p:nvPr/>
       </p:nvGrpSpPr>
@@ -779,13 +1187,7 @@
       </p:grpSpPr>
       <p:sp>
         <p:nvSpPr>
-          <p:cNvPr id="2" name="Slide Image Placeholder 1">
-            <a:extLst>
-              <a:ext uri="{FF2B5EF4-FFF2-40B4-BE49-F238E27FC236}">
-                <a16:creationId xmlns:a16="http://schemas.microsoft.com/office/drawing/2014/main" id="{C0DA8D85-8EDB-320E-B82E-3D3DF0C099E4}"/>
-              </a:ext>
-            </a:extLst>
-          </p:cNvPr>
+          <p:cNvPr id="2" name="Slide Image Placeholder 1"/>
           <p:cNvSpPr>
             <a:spLocks noGrp="1" noRot="1" noChangeAspect="1"/>
           </p:cNvSpPr>
@@ -797,13 +1199,7 @@
       </p:sp>
       <p:sp>
         <p:nvSpPr>
-          <p:cNvPr id="3" name="Notes Placeholder 2">
-            <a:extLst>
-              <a:ext uri="{FF2B5EF4-FFF2-40B4-BE49-F238E27FC236}">
-                <a16:creationId xmlns:a16="http://schemas.microsoft.com/office/drawing/2014/main" id="{78E96F83-412B-A26C-C37C-A10F2595FF7F}"/>
-              </a:ext>
-            </a:extLst>
-          </p:cNvPr>
+          <p:cNvPr id="3" name="Notes Placeholder 2"/>
           <p:cNvSpPr>
             <a:spLocks noGrp="1"/>
           </p:cNvSpPr>
@@ -816,43 +1212,60 @@
           <a:bodyPr/>
           <a:lstStyle/>
           <a:p>
-            <a:pPr marL="228600" indent="-228600">
-              <a:buAutoNum type="arabicPeriod"/>
-            </a:pPr>
             <a:r>
               <a:rPr lang="en-US" dirty="0"/>
-              <a:t>False!</a:t>
-            </a:r>
-          </a:p>
-          <a:p>
-            <a:pPr marL="228600" indent="-228600">
-              <a:buAutoNum type="arabicPeriod"/>
-            </a:pPr>
+              <a:t>Here’s what I want you to walk away with.</a:t>
+            </a:r>
+          </a:p>
+          <a:p>
             <a:r>
               <a:rPr lang="en-US" dirty="0"/>
-              <a:t>Function, Formula, Function</a:t>
-            </a:r>
-          </a:p>
-          <a:p>
-            <a:pPr marL="228600" indent="-228600">
-              <a:buAutoNum type="arabicPeriod"/>
-            </a:pPr>
-            <a:r>
+              <a:t>First, how to clean and prep data in a way that’s auditable and repeatable — not copy-paste heroics.</a:t>
+            </a:r>
+            <a:br>
               <a:rPr lang="en-US" dirty="0"/>
-              <a:t>Argument</a:t>
-            </a:r>
-          </a:p>
-        </p:txBody>
-      </p:sp>
-      <p:sp>
-        <p:nvSpPr>
-          <p:cNvPr id="4" name="Slide Number Placeholder 3">
-            <a:extLst>
-              <a:ext uri="{FF2B5EF4-FFF2-40B4-BE49-F238E27FC236}">
-                <a16:creationId xmlns:a16="http://schemas.microsoft.com/office/drawing/2014/main" id="{D85AA045-B911-BDFF-838C-B03FB3819AFA}"/>
-              </a:ext>
-            </a:extLst>
-          </p:cNvPr>
+            </a:br>
+            <a:r>
+              <a:rPr lang="en-US" dirty="0"/>
+              <a:t>Second, how Python inside Excel unlocks forecasting and simulation without turning Excel into a science project.</a:t>
+            </a:r>
+            <a:br>
+              <a:rPr lang="en-US" dirty="0"/>
+            </a:br>
+            <a:r>
+              <a:rPr lang="en-US" dirty="0"/>
+              <a:t>Third, where Copilot helps — and where it absolutely should </a:t>
+            </a:r>
+            <a:r>
+              <a:rPr lang="en-US" i="1" dirty="0"/>
+              <a:t>not</a:t>
+            </a:r>
+            <a:r>
+              <a:rPr lang="en-US" dirty="0"/>
+              <a:t> be trusted blindly.</a:t>
+            </a:r>
+            <a:br>
+              <a:rPr lang="en-US" dirty="0"/>
+            </a:br>
+            <a:r>
+              <a:rPr lang="en-US" dirty="0"/>
+              <a:t>And finally, how automation and agents fit into a modeling workflow without giving up control.</a:t>
+            </a:r>
+          </a:p>
+          <a:p>
+            <a:r>
+              <a:rPr lang="en-US" dirty="0"/>
+              <a:t>The goal is something practical you can use tomorrow, not a roadmap that depends on perfect tooling.</a:t>
+            </a:r>
+          </a:p>
+          <a:p>
+            <a:endParaRPr lang="en-US" dirty="0"/>
+          </a:p>
+        </p:txBody>
+      </p:sp>
+      <p:sp>
+        <p:nvSpPr>
+          <p:cNvPr id="4" name="Slide Number Placeholder 3"/>
           <p:cNvSpPr>
             <a:spLocks noGrp="1"/>
           </p:cNvSpPr>
@@ -865,9 +1278,9 @@
           <a:bodyPr/>
           <a:lstStyle/>
           <a:p>
-            <a:fld id="{1300335D-9F13-4B80-ADC5-B0EA3E10FF6B}" type="slidenum">
+            <a:fld id="{FFB500C5-13F7-48FC-8160-C29AECF6C602}" type="slidenum">
               <a:rPr lang="en-US" smtClean="0"/>
-              <a:t>8</a:t>
+              <a:t>3</a:t>
             </a:fld>
             <a:endParaRPr lang="en-US"/>
           </a:p>
@@ -876,7 +1289,7 @@
     </p:spTree>
     <p:extLst>
       <p:ext uri="{BB962C8B-B14F-4D97-AF65-F5344CB8AC3E}">
-        <p14:creationId xmlns:p14="http://schemas.microsoft.com/office/powerpoint/2010/main" val="2074387506"/>
+        <p14:creationId xmlns:p14="http://schemas.microsoft.com/office/powerpoint/2010/main" val="860320013"/>
       </p:ext>
     </p:extLst>
   </p:cSld>
@@ -891,13 +1304,7 @@
   <p:cSld>
     <p:spTree>
       <p:nvGrpSpPr>
-        <p:cNvPr id="1" name="">
-          <a:extLst>
-            <a:ext uri="{FF2B5EF4-FFF2-40B4-BE49-F238E27FC236}">
-              <a16:creationId xmlns:a16="http://schemas.microsoft.com/office/drawing/2014/main" id="{FCF4B1F5-1022-4CE3-A7AD-748C2939059F}"/>
-            </a:ext>
-          </a:extLst>
-        </p:cNvPr>
+        <p:cNvPr id="1" name=""/>
         <p:cNvGrpSpPr/>
         <p:nvPr/>
       </p:nvGrpSpPr>
@@ -911,13 +1318,7 @@
       </p:grpSpPr>
       <p:sp>
         <p:nvSpPr>
-          <p:cNvPr id="2" name="Slide Image Placeholder 1">
-            <a:extLst>
-              <a:ext uri="{FF2B5EF4-FFF2-40B4-BE49-F238E27FC236}">
-                <a16:creationId xmlns:a16="http://schemas.microsoft.com/office/drawing/2014/main" id="{712021AD-DA3C-D2A8-6DCA-10B5C73F014A}"/>
-              </a:ext>
-            </a:extLst>
-          </p:cNvPr>
+          <p:cNvPr id="2" name="Slide Image Placeholder 1"/>
           <p:cNvSpPr>
             <a:spLocks noGrp="1" noRot="1" noChangeAspect="1"/>
           </p:cNvSpPr>
@@ -929,13 +1330,7 @@
       </p:sp>
       <p:sp>
         <p:nvSpPr>
-          <p:cNvPr id="3" name="Notes Placeholder 2">
-            <a:extLst>
-              <a:ext uri="{FF2B5EF4-FFF2-40B4-BE49-F238E27FC236}">
-                <a16:creationId xmlns:a16="http://schemas.microsoft.com/office/drawing/2014/main" id="{D3398A40-4575-A2B2-0DDD-B74DA6A81343}"/>
-              </a:ext>
-            </a:extLst>
-          </p:cNvPr>
+          <p:cNvPr id="3" name="Notes Placeholder 2"/>
           <p:cNvSpPr>
             <a:spLocks noGrp="1"/>
           </p:cNvSpPr>
@@ -948,43 +1343,44 @@
           <a:bodyPr/>
           <a:lstStyle/>
           <a:p>
-            <a:pPr marL="228600" indent="-228600">
-              <a:buAutoNum type="arabicPeriod"/>
-            </a:pPr>
             <a:r>
               <a:rPr lang="en-US" dirty="0"/>
-              <a:t>False!</a:t>
-            </a:r>
-          </a:p>
-          <a:p>
-            <a:pPr marL="228600" indent="-228600">
-              <a:buAutoNum type="arabicPeriod"/>
-            </a:pPr>
+              <a:t>I see people fall into two unhelpful extremes with AI.</a:t>
+            </a:r>
+          </a:p>
+          <a:p>
             <a:r>
               <a:rPr lang="en-US" dirty="0"/>
-              <a:t>Function, Formula, Function</a:t>
-            </a:r>
-          </a:p>
-          <a:p>
-            <a:pPr marL="228600" indent="-228600">
-              <a:buAutoNum type="arabicPeriod"/>
-            </a:pPr>
-            <a:r>
+              <a:t>On one side: “AI is useless, it’s all hype.”</a:t>
+            </a:r>
+            <a:br>
               <a:rPr lang="en-US" dirty="0"/>
-              <a:t>Argument</a:t>
-            </a:r>
-          </a:p>
-        </p:txBody>
-      </p:sp>
-      <p:sp>
-        <p:nvSpPr>
-          <p:cNvPr id="4" name="Slide Number Placeholder 3">
-            <a:extLst>
-              <a:ext uri="{FF2B5EF4-FFF2-40B4-BE49-F238E27FC236}">
-                <a16:creationId xmlns:a16="http://schemas.microsoft.com/office/drawing/2014/main" id="{BE9951FB-F32F-3030-3950-0E80D0664D8F}"/>
-              </a:ext>
-            </a:extLst>
-          </p:cNvPr>
+            </a:br>
+            <a:r>
+              <a:rPr lang="en-US" dirty="0"/>
+              <a:t>On the other: “AI will replace analysts.”</a:t>
+            </a:r>
+          </a:p>
+          <a:p>
+            <a:r>
+              <a:rPr lang="en-US" dirty="0"/>
+              <a:t>The reality is boring — and that’s good. AI is just another tool.</a:t>
+            </a:r>
+          </a:p>
+          <a:p>
+            <a:r>
+              <a:rPr lang="en-US" dirty="0"/>
+              <a:t>The value comes from pairing it with structured data, clear assumptions, and human judgment. If you don’t already have those, AI just helps you make mistakes faster.</a:t>
+            </a:r>
+          </a:p>
+          <a:p>
+            <a:endParaRPr lang="en-US" dirty="0"/>
+          </a:p>
+        </p:txBody>
+      </p:sp>
+      <p:sp>
+        <p:nvSpPr>
+          <p:cNvPr id="4" name="Slide Number Placeholder 3"/>
           <p:cNvSpPr>
             <a:spLocks noGrp="1"/>
           </p:cNvSpPr>
@@ -997,9 +1393,9 @@
           <a:bodyPr/>
           <a:lstStyle/>
           <a:p>
-            <a:fld id="{1300335D-9F13-4B80-ADC5-B0EA3E10FF6B}" type="slidenum">
+            <a:fld id="{FFB500C5-13F7-48FC-8160-C29AECF6C602}" type="slidenum">
               <a:rPr lang="en-US" smtClean="0"/>
-              <a:t>9</a:t>
+              <a:t>4</a:t>
             </a:fld>
             <a:endParaRPr lang="en-US"/>
           </a:p>
@@ -1008,7 +1404,7 @@
     </p:spTree>
     <p:extLst>
       <p:ext uri="{BB962C8B-B14F-4D97-AF65-F5344CB8AC3E}">
-        <p14:creationId xmlns:p14="http://schemas.microsoft.com/office/powerpoint/2010/main" val="516879475"/>
+        <p14:creationId xmlns:p14="http://schemas.microsoft.com/office/powerpoint/2010/main" val="15433157"/>
       </p:ext>
     </p:extLst>
   </p:cSld>
@@ -1062,31 +1458,61 @@
           <a:bodyPr/>
           <a:lstStyle/>
           <a:p>
-            <a:pPr marL="228600" indent="-228600">
-              <a:buAutoNum type="arabicPeriod"/>
-            </a:pPr>
             <a:r>
               <a:rPr lang="en-US" dirty="0"/>
-              <a:t>False!</a:t>
-            </a:r>
-          </a:p>
-          <a:p>
-            <a:pPr marL="228600" indent="-228600">
-              <a:buAutoNum type="arabicPeriod"/>
-            </a:pPr>
+              <a:t>This slide is the mental model I want you to keep in mind.</a:t>
+            </a:r>
+          </a:p>
+          <a:p>
             <a:r>
               <a:rPr lang="en-US" dirty="0"/>
-              <a:t>Function, Formula, Function</a:t>
-            </a:r>
-          </a:p>
-          <a:p>
-            <a:pPr marL="228600" indent="-228600">
-              <a:buAutoNum type="arabicPeriod"/>
-            </a:pPr>
-            <a:r>
+              <a:t>At the bottom, you still need a data backbone — Power BI, Dataverse, or at least well-structured sources.</a:t>
+            </a:r>
+            <a:br>
               <a:rPr lang="en-US" dirty="0"/>
-              <a:t>Argument</a:t>
-            </a:r>
+            </a:br>
+            <a:r>
+              <a:rPr lang="en-US" dirty="0"/>
+              <a:t>Power Query handles cleaning and shaping in a way you can explain later.</a:t>
+            </a:r>
+            <a:br>
+              <a:rPr lang="en-US" dirty="0"/>
+            </a:br>
+            <a:r>
+              <a:rPr lang="en-US" dirty="0"/>
+              <a:t>Excel itself becomes the analysis layer: Copilot, Python, Agent Mode — this is where thinking happens.</a:t>
+            </a:r>
+            <a:br>
+              <a:rPr lang="en-US" dirty="0"/>
+            </a:br>
+            <a:r>
+              <a:rPr lang="en-US" dirty="0"/>
+              <a:t>Office Scripts and Power Automate handle repeatability.</a:t>
+            </a:r>
+            <a:br>
+              <a:rPr lang="en-US" dirty="0"/>
+            </a:br>
+            <a:r>
+              <a:rPr lang="en-US" dirty="0"/>
+              <a:t>And Copilot Studio sits at the top for governance and customization.</a:t>
+            </a:r>
+          </a:p>
+          <a:p>
+            <a:r>
+              <a:rPr lang="en-US" dirty="0"/>
+              <a:t>The key point: AI doesn’t replace layers. It </a:t>
+            </a:r>
+            <a:r>
+              <a:rPr lang="en-US" i="1" dirty="0"/>
+              <a:t>amplifies</a:t>
+            </a:r>
+            <a:r>
+              <a:rPr lang="en-US" dirty="0"/>
+              <a:t> them.</a:t>
+            </a:r>
+          </a:p>
+          <a:p>
+            <a:endParaRPr lang="en-US" dirty="0"/>
           </a:p>
         </p:txBody>
       </p:sp>
@@ -1105,9 +1531,9 @@
           <a:bodyPr/>
           <a:lstStyle/>
           <a:p>
-            <a:fld id="{1300335D-9F13-4B80-ADC5-B0EA3E10FF6B}" type="slidenum">
+            <a:fld id="{FFB500C5-13F7-48FC-8160-C29AECF6C602}" type="slidenum">
               <a:rPr lang="en-US" smtClean="0"/>
-              <a:t>10</a:t>
+              <a:t>5</a:t>
             </a:fld>
             <a:endParaRPr lang="en-US"/>
           </a:p>
@@ -1116,7 +1542,560 @@
     </p:spTree>
     <p:extLst>
       <p:ext uri="{BB962C8B-B14F-4D97-AF65-F5344CB8AC3E}">
-        <p14:creationId xmlns:p14="http://schemas.microsoft.com/office/powerpoint/2010/main" val="3864329887"/>
+        <p14:creationId xmlns:p14="http://schemas.microsoft.com/office/powerpoint/2010/main" val="2861955629"/>
+      </p:ext>
+    </p:extLst>
+  </p:cSld>
+  <p:clrMapOvr>
+    <a:masterClrMapping/>
+  </p:clrMapOvr>
+</p:notes>
+</file>
+
+<file path=ppt/notesSlides/notesSlide6.xml><?xml version="1.0" encoding="utf-8"?>
+<p:notes xmlns:a="http://schemas.openxmlformats.org/drawingml/2006/main" xmlns:r="http://schemas.openxmlformats.org/officeDocument/2006/relationships" xmlns:p="http://schemas.openxmlformats.org/presentationml/2006/main">
+  <p:cSld>
+    <p:spTree>
+      <p:nvGrpSpPr>
+        <p:cNvPr id="1" name=""/>
+        <p:cNvGrpSpPr/>
+        <p:nvPr/>
+      </p:nvGrpSpPr>
+      <p:grpSpPr>
+        <a:xfrm>
+          <a:off x="0" y="0"/>
+          <a:ext cx="0" cy="0"/>
+          <a:chOff x="0" y="0"/>
+          <a:chExt cx="0" cy="0"/>
+        </a:xfrm>
+      </p:grpSpPr>
+      <p:sp>
+        <p:nvSpPr>
+          <p:cNvPr id="2" name="Slide Image Placeholder 1"/>
+          <p:cNvSpPr>
+            <a:spLocks noGrp="1" noRot="1" noChangeAspect="1"/>
+          </p:cNvSpPr>
+          <p:nvPr>
+            <p:ph type="sldImg"/>
+          </p:nvPr>
+        </p:nvSpPr>
+        <p:spPr/>
+      </p:sp>
+      <p:sp>
+        <p:nvSpPr>
+          <p:cNvPr id="3" name="Notes Placeholder 2"/>
+          <p:cNvSpPr>
+            <a:spLocks noGrp="1"/>
+          </p:cNvSpPr>
+          <p:nvPr>
+            <p:ph type="body" idx="1"/>
+          </p:nvPr>
+        </p:nvSpPr>
+        <p:spPr/>
+        <p:txBody>
+          <a:bodyPr/>
+          <a:lstStyle/>
+          <a:p>
+            <a:r>
+              <a:rPr lang="en-US" dirty="0"/>
+              <a:t>This is where most models quietly fall apart.</a:t>
+            </a:r>
+          </a:p>
+          <a:p>
+            <a:r>
+              <a:rPr lang="en-US" dirty="0"/>
+              <a:t>We start by using Copilot to </a:t>
+            </a:r>
+            <a:r>
+              <a:rPr lang="en-US" i="1" dirty="0"/>
+              <a:t>profile</a:t>
+            </a:r>
+            <a:r>
+              <a:rPr lang="en-US" dirty="0"/>
+              <a:t> the data — not to fix it automatically, but to surface issues faster.</a:t>
+            </a:r>
+            <a:br>
+              <a:rPr lang="en-US" dirty="0"/>
+            </a:br>
+            <a:r>
+              <a:rPr lang="en-US" dirty="0"/>
+              <a:t>Then we build the actual cleaning logic in Power Query so it’s reproducible and reviewable.</a:t>
+            </a:r>
+            <a:br>
+              <a:rPr lang="en-US" dirty="0"/>
+            </a:br>
+            <a:r>
+              <a:rPr lang="en-US" dirty="0"/>
+              <a:t>Finally, Copilot helps with documentation — explaining transformations in plain English, which is incredibly useful during reviews.</a:t>
+            </a:r>
+          </a:p>
+          <a:p>
+            <a:r>
+              <a:rPr lang="en-US" dirty="0"/>
+              <a:t>The takeaway: Copilot assists, Power Query decides.</a:t>
+            </a:r>
+          </a:p>
+          <a:p>
+            <a:endParaRPr lang="en-US" dirty="0"/>
+          </a:p>
+        </p:txBody>
+      </p:sp>
+      <p:sp>
+        <p:nvSpPr>
+          <p:cNvPr id="4" name="Slide Number Placeholder 3"/>
+          <p:cNvSpPr>
+            <a:spLocks noGrp="1"/>
+          </p:cNvSpPr>
+          <p:nvPr>
+            <p:ph type="sldNum" sz="quarter" idx="5"/>
+          </p:nvPr>
+        </p:nvSpPr>
+        <p:spPr/>
+        <p:txBody>
+          <a:bodyPr/>
+          <a:lstStyle/>
+          <a:p>
+            <a:fld id="{1300335D-9F13-4B80-ADC5-B0EA3E10FF6B}" type="slidenum">
+              <a:rPr lang="en-US" smtClean="0"/>
+              <a:t>6</a:t>
+            </a:fld>
+            <a:endParaRPr lang="en-US"/>
+          </a:p>
+        </p:txBody>
+      </p:sp>
+    </p:spTree>
+    <p:extLst>
+      <p:ext uri="{BB962C8B-B14F-4D97-AF65-F5344CB8AC3E}">
+        <p14:creationId xmlns:p14="http://schemas.microsoft.com/office/powerpoint/2010/main" val="624549242"/>
+      </p:ext>
+    </p:extLst>
+  </p:cSld>
+  <p:clrMapOvr>
+    <a:masterClrMapping/>
+  </p:clrMapOvr>
+</p:notes>
+</file>
+
+<file path=ppt/notesSlides/notesSlide7.xml><?xml version="1.0" encoding="utf-8"?>
+<p:notes xmlns:a="http://schemas.openxmlformats.org/drawingml/2006/main" xmlns:r="http://schemas.openxmlformats.org/officeDocument/2006/relationships" xmlns:p="http://schemas.openxmlformats.org/presentationml/2006/main">
+  <p:cSld>
+    <p:spTree>
+      <p:nvGrpSpPr>
+        <p:cNvPr id="1" name="">
+          <a:extLst>
+            <a:ext uri="{FF2B5EF4-FFF2-40B4-BE49-F238E27FC236}">
+              <a16:creationId xmlns:a16="http://schemas.microsoft.com/office/drawing/2014/main" id="{26FEDD0E-7B26-6A40-B99C-1DB1BA641B9F}"/>
+            </a:ext>
+          </a:extLst>
+        </p:cNvPr>
+        <p:cNvGrpSpPr/>
+        <p:nvPr/>
+      </p:nvGrpSpPr>
+      <p:grpSpPr>
+        <a:xfrm>
+          <a:off x="0" y="0"/>
+          <a:ext cx="0" cy="0"/>
+          <a:chOff x="0" y="0"/>
+          <a:chExt cx="0" cy="0"/>
+        </a:xfrm>
+      </p:grpSpPr>
+      <p:sp>
+        <p:nvSpPr>
+          <p:cNvPr id="2" name="Slide Image Placeholder 1">
+            <a:extLst>
+              <a:ext uri="{FF2B5EF4-FFF2-40B4-BE49-F238E27FC236}">
+                <a16:creationId xmlns:a16="http://schemas.microsoft.com/office/drawing/2014/main" id="{4BC93FE2-3717-2EDA-F56E-5665D5A85ABB}"/>
+              </a:ext>
+            </a:extLst>
+          </p:cNvPr>
+          <p:cNvSpPr>
+            <a:spLocks noGrp="1" noRot="1" noChangeAspect="1"/>
+          </p:cNvSpPr>
+          <p:nvPr>
+            <p:ph type="sldImg"/>
+          </p:nvPr>
+        </p:nvSpPr>
+        <p:spPr/>
+      </p:sp>
+      <p:sp>
+        <p:nvSpPr>
+          <p:cNvPr id="3" name="Notes Placeholder 2">
+            <a:extLst>
+              <a:ext uri="{FF2B5EF4-FFF2-40B4-BE49-F238E27FC236}">
+                <a16:creationId xmlns:a16="http://schemas.microsoft.com/office/drawing/2014/main" id="{2C5CE75D-996B-9833-1013-EAD9BB8A2B2E}"/>
+              </a:ext>
+            </a:extLst>
+          </p:cNvPr>
+          <p:cNvSpPr>
+            <a:spLocks noGrp="1"/>
+          </p:cNvSpPr>
+          <p:nvPr>
+            <p:ph type="body" idx="1"/>
+          </p:nvPr>
+        </p:nvSpPr>
+        <p:spPr/>
+        <p:txBody>
+          <a:bodyPr/>
+          <a:lstStyle/>
+          <a:p>
+            <a:r>
+              <a:rPr lang="en-US" dirty="0"/>
+              <a:t>This is one of the most powerful upgrades to Excel in years.</a:t>
+            </a:r>
+          </a:p>
+          <a:p>
+            <a:r>
+              <a:rPr lang="en-US" dirty="0"/>
+              <a:t>You can describe assumptions in natural language — distributions, ranges, scenarios — and let Copilot help scaffold the Python.</a:t>
+            </a:r>
+            <a:br>
+              <a:rPr lang="en-US" dirty="0"/>
+            </a:br>
+            <a:r>
+              <a:rPr lang="en-US" dirty="0"/>
+              <a:t>But the important part is that the simulation itself is deterministic, reproducible code.</a:t>
+            </a:r>
+          </a:p>
+          <a:p>
+            <a:r>
+              <a:rPr lang="en-US" dirty="0"/>
+              <a:t>You’re not guessing outcomes. You’re explicitly modeling uncertainty — and Excel remains the interface decision-makers are comfortable with.</a:t>
+            </a:r>
+          </a:p>
+          <a:p>
+            <a:pPr marL="0" indent="0">
+              <a:buNone/>
+            </a:pPr>
+            <a:endParaRPr lang="en-US" dirty="0"/>
+          </a:p>
+        </p:txBody>
+      </p:sp>
+      <p:sp>
+        <p:nvSpPr>
+          <p:cNvPr id="4" name="Slide Number Placeholder 3">
+            <a:extLst>
+              <a:ext uri="{FF2B5EF4-FFF2-40B4-BE49-F238E27FC236}">
+                <a16:creationId xmlns:a16="http://schemas.microsoft.com/office/drawing/2014/main" id="{B368AF92-EF6C-FA8B-D809-38ED0AB72A8B}"/>
+              </a:ext>
+            </a:extLst>
+          </p:cNvPr>
+          <p:cNvSpPr>
+            <a:spLocks noGrp="1"/>
+          </p:cNvSpPr>
+          <p:nvPr>
+            <p:ph type="sldNum" sz="quarter" idx="5"/>
+          </p:nvPr>
+        </p:nvSpPr>
+        <p:spPr/>
+        <p:txBody>
+          <a:bodyPr/>
+          <a:lstStyle/>
+          <a:p>
+            <a:fld id="{1300335D-9F13-4B80-ADC5-B0EA3E10FF6B}" type="slidenum">
+              <a:rPr lang="en-US" smtClean="0"/>
+              <a:t>7</a:t>
+            </a:fld>
+            <a:endParaRPr lang="en-US"/>
+          </a:p>
+        </p:txBody>
+      </p:sp>
+    </p:spTree>
+    <p:extLst>
+      <p:ext uri="{BB962C8B-B14F-4D97-AF65-F5344CB8AC3E}">
+        <p14:creationId xmlns:p14="http://schemas.microsoft.com/office/powerpoint/2010/main" val="4007448522"/>
+      </p:ext>
+    </p:extLst>
+  </p:cSld>
+  <p:clrMapOvr>
+    <a:masterClrMapping/>
+  </p:clrMapOvr>
+</p:notes>
+</file>
+
+<file path=ppt/notesSlides/notesSlide8.xml><?xml version="1.0" encoding="utf-8"?>
+<p:notes xmlns:a="http://schemas.openxmlformats.org/drawingml/2006/main" xmlns:r="http://schemas.openxmlformats.org/officeDocument/2006/relationships" xmlns:p="http://schemas.openxmlformats.org/presentationml/2006/main">
+  <p:cSld>
+    <p:spTree>
+      <p:nvGrpSpPr>
+        <p:cNvPr id="1" name="">
+          <a:extLst>
+            <a:ext uri="{FF2B5EF4-FFF2-40B4-BE49-F238E27FC236}">
+              <a16:creationId xmlns:a16="http://schemas.microsoft.com/office/drawing/2014/main" id="{696E22B3-BAA4-0BAA-67B7-A455E33D5A63}"/>
+            </a:ext>
+          </a:extLst>
+        </p:cNvPr>
+        <p:cNvGrpSpPr/>
+        <p:nvPr/>
+      </p:nvGrpSpPr>
+      <p:grpSpPr>
+        <a:xfrm>
+          <a:off x="0" y="0"/>
+          <a:ext cx="0" cy="0"/>
+          <a:chOff x="0" y="0"/>
+          <a:chExt cx="0" cy="0"/>
+        </a:xfrm>
+      </p:grpSpPr>
+      <p:sp>
+        <p:nvSpPr>
+          <p:cNvPr id="2" name="Slide Image Placeholder 1">
+            <a:extLst>
+              <a:ext uri="{FF2B5EF4-FFF2-40B4-BE49-F238E27FC236}">
+                <a16:creationId xmlns:a16="http://schemas.microsoft.com/office/drawing/2014/main" id="{C0DA8D85-8EDB-320E-B82E-3D3DF0C099E4}"/>
+              </a:ext>
+            </a:extLst>
+          </p:cNvPr>
+          <p:cNvSpPr>
+            <a:spLocks noGrp="1" noRot="1" noChangeAspect="1"/>
+          </p:cNvSpPr>
+          <p:nvPr>
+            <p:ph type="sldImg"/>
+          </p:nvPr>
+        </p:nvSpPr>
+        <p:spPr/>
+      </p:sp>
+      <p:sp>
+        <p:nvSpPr>
+          <p:cNvPr id="3" name="Notes Placeholder 2">
+            <a:extLst>
+              <a:ext uri="{FF2B5EF4-FFF2-40B4-BE49-F238E27FC236}">
+                <a16:creationId xmlns:a16="http://schemas.microsoft.com/office/drawing/2014/main" id="{78E96F83-412B-A26C-C37C-A10F2595FF7F}"/>
+              </a:ext>
+            </a:extLst>
+          </p:cNvPr>
+          <p:cNvSpPr>
+            <a:spLocks noGrp="1"/>
+          </p:cNvSpPr>
+          <p:nvPr>
+            <p:ph type="body" idx="1"/>
+          </p:nvPr>
+        </p:nvSpPr>
+        <p:spPr/>
+        <p:txBody>
+          <a:bodyPr/>
+          <a:lstStyle/>
+          <a:p>
+            <a:r>
+              <a:rPr lang="en-US" dirty="0"/>
+              <a:t>This is where things start to feel new.</a:t>
+            </a:r>
+          </a:p>
+          <a:p>
+            <a:r>
+              <a:rPr lang="en-US" dirty="0"/>
+              <a:t>Instead of asking for a single answer, you ask the Analyst Agent to </a:t>
+            </a:r>
+            <a:r>
+              <a:rPr lang="en-US" i="1" dirty="0"/>
+              <a:t>reason through</a:t>
+            </a:r>
+            <a:r>
+              <a:rPr lang="en-US" dirty="0"/>
+              <a:t> patterns — valuation differences, outliers, sector behavior.</a:t>
+            </a:r>
+          </a:p>
+          <a:p>
+            <a:r>
+              <a:rPr lang="en-US" dirty="0"/>
+              <a:t>The key is transparency. You let the agent show its intermediate steps, then you decide what to trust.</a:t>
+            </a:r>
+          </a:p>
+          <a:p>
+            <a:r>
+              <a:rPr lang="en-US" dirty="0"/>
+              <a:t>Used correctly, this becomes a drafting and sense-checking tool for executive summaries — not an oracle.</a:t>
+            </a:r>
+          </a:p>
+          <a:p>
+            <a:pPr marL="0" indent="0">
+              <a:buNone/>
+            </a:pPr>
+            <a:endParaRPr lang="en-US" dirty="0"/>
+          </a:p>
+        </p:txBody>
+      </p:sp>
+      <p:sp>
+        <p:nvSpPr>
+          <p:cNvPr id="4" name="Slide Number Placeholder 3">
+            <a:extLst>
+              <a:ext uri="{FF2B5EF4-FFF2-40B4-BE49-F238E27FC236}">
+                <a16:creationId xmlns:a16="http://schemas.microsoft.com/office/drawing/2014/main" id="{D85AA045-B911-BDFF-838C-B03FB3819AFA}"/>
+              </a:ext>
+            </a:extLst>
+          </p:cNvPr>
+          <p:cNvSpPr>
+            <a:spLocks noGrp="1"/>
+          </p:cNvSpPr>
+          <p:nvPr>
+            <p:ph type="sldNum" sz="quarter" idx="5"/>
+          </p:nvPr>
+        </p:nvSpPr>
+        <p:spPr/>
+        <p:txBody>
+          <a:bodyPr/>
+          <a:lstStyle/>
+          <a:p>
+            <a:fld id="{1300335D-9F13-4B80-ADC5-B0EA3E10FF6B}" type="slidenum">
+              <a:rPr lang="en-US" smtClean="0"/>
+              <a:t>8</a:t>
+            </a:fld>
+            <a:endParaRPr lang="en-US"/>
+          </a:p>
+        </p:txBody>
+      </p:sp>
+    </p:spTree>
+    <p:extLst>
+      <p:ext uri="{BB962C8B-B14F-4D97-AF65-F5344CB8AC3E}">
+        <p14:creationId xmlns:p14="http://schemas.microsoft.com/office/powerpoint/2010/main" val="2074387506"/>
+      </p:ext>
+    </p:extLst>
+  </p:cSld>
+  <p:clrMapOvr>
+    <a:masterClrMapping/>
+  </p:clrMapOvr>
+</p:notes>
+</file>
+
+<file path=ppt/notesSlides/notesSlide9.xml><?xml version="1.0" encoding="utf-8"?>
+<p:notes xmlns:a="http://schemas.openxmlformats.org/drawingml/2006/main" xmlns:r="http://schemas.openxmlformats.org/officeDocument/2006/relationships" xmlns:p="http://schemas.openxmlformats.org/presentationml/2006/main">
+  <p:cSld>
+    <p:spTree>
+      <p:nvGrpSpPr>
+        <p:cNvPr id="1" name="">
+          <a:extLst>
+            <a:ext uri="{FF2B5EF4-FFF2-40B4-BE49-F238E27FC236}">
+              <a16:creationId xmlns:a16="http://schemas.microsoft.com/office/drawing/2014/main" id="{FCF4B1F5-1022-4CE3-A7AD-748C2939059F}"/>
+            </a:ext>
+          </a:extLst>
+        </p:cNvPr>
+        <p:cNvGrpSpPr/>
+        <p:nvPr/>
+      </p:nvGrpSpPr>
+      <p:grpSpPr>
+        <a:xfrm>
+          <a:off x="0" y="0"/>
+          <a:ext cx="0" cy="0"/>
+          <a:chOff x="0" y="0"/>
+          <a:chExt cx="0" cy="0"/>
+        </a:xfrm>
+      </p:grpSpPr>
+      <p:sp>
+        <p:nvSpPr>
+          <p:cNvPr id="2" name="Slide Image Placeholder 1">
+            <a:extLst>
+              <a:ext uri="{FF2B5EF4-FFF2-40B4-BE49-F238E27FC236}">
+                <a16:creationId xmlns:a16="http://schemas.microsoft.com/office/drawing/2014/main" id="{712021AD-DA3C-D2A8-6DCA-10B5C73F014A}"/>
+              </a:ext>
+            </a:extLst>
+          </p:cNvPr>
+          <p:cNvSpPr>
+            <a:spLocks noGrp="1" noRot="1" noChangeAspect="1"/>
+          </p:cNvSpPr>
+          <p:nvPr>
+            <p:ph type="sldImg"/>
+          </p:nvPr>
+        </p:nvSpPr>
+        <p:spPr/>
+      </p:sp>
+      <p:sp>
+        <p:nvSpPr>
+          <p:cNvPr id="3" name="Notes Placeholder 2">
+            <a:extLst>
+              <a:ext uri="{FF2B5EF4-FFF2-40B4-BE49-F238E27FC236}">
+                <a16:creationId xmlns:a16="http://schemas.microsoft.com/office/drawing/2014/main" id="{D3398A40-4575-A2B2-0DDD-B74DA6A81343}"/>
+              </a:ext>
+            </a:extLst>
+          </p:cNvPr>
+          <p:cNvSpPr>
+            <a:spLocks noGrp="1"/>
+          </p:cNvSpPr>
+          <p:nvPr>
+            <p:ph type="body" idx="1"/>
+          </p:nvPr>
+        </p:nvSpPr>
+        <p:spPr/>
+        <p:txBody>
+          <a:bodyPr/>
+          <a:lstStyle/>
+          <a:p>
+            <a:r>
+              <a:rPr lang="en-US" dirty="0"/>
+              <a:t>Finally, automation.</a:t>
+            </a:r>
+          </a:p>
+          <a:p>
+            <a:r>
+              <a:rPr lang="en-US" dirty="0"/>
+              <a:t>We record Office Scripts for the boring, repetitive modeling steps — formatting, refresh logic, setup tasks.</a:t>
+            </a:r>
+            <a:br>
+              <a:rPr lang="en-US" dirty="0"/>
+            </a:br>
+            <a:r>
+              <a:rPr lang="en-US" dirty="0"/>
+              <a:t>Power Automate handles when those scripts run — on schedules or events.</a:t>
+            </a:r>
+          </a:p>
+          <a:p>
+            <a:r>
+              <a:rPr lang="en-US" dirty="0"/>
+              <a:t>The important point is this: automation doesn’t remove control. It removes </a:t>
+            </a:r>
+            <a:r>
+              <a:rPr lang="en-US" i="1" dirty="0"/>
+              <a:t>manual risk</a:t>
+            </a:r>
+            <a:r>
+              <a:rPr lang="en-US" dirty="0"/>
+              <a:t>.</a:t>
+            </a:r>
+          </a:p>
+          <a:p>
+            <a:r>
+              <a:rPr lang="en-US" dirty="0"/>
+              <a:t>You still own the logic. You just stop re-doing it by hand.</a:t>
+            </a:r>
+          </a:p>
+          <a:p>
+            <a:pPr marL="0" indent="0">
+              <a:buNone/>
+            </a:pPr>
+            <a:endParaRPr lang="en-US" dirty="0"/>
+          </a:p>
+        </p:txBody>
+      </p:sp>
+      <p:sp>
+        <p:nvSpPr>
+          <p:cNvPr id="4" name="Slide Number Placeholder 3">
+            <a:extLst>
+              <a:ext uri="{FF2B5EF4-FFF2-40B4-BE49-F238E27FC236}">
+                <a16:creationId xmlns:a16="http://schemas.microsoft.com/office/drawing/2014/main" id="{BE9951FB-F32F-3030-3950-0E80D0664D8F}"/>
+              </a:ext>
+            </a:extLst>
+          </p:cNvPr>
+          <p:cNvSpPr>
+            <a:spLocks noGrp="1"/>
+          </p:cNvSpPr>
+          <p:nvPr>
+            <p:ph type="sldNum" sz="quarter" idx="5"/>
+          </p:nvPr>
+        </p:nvSpPr>
+        <p:spPr/>
+        <p:txBody>
+          <a:bodyPr/>
+          <a:lstStyle/>
+          <a:p>
+            <a:fld id="{1300335D-9F13-4B80-ADC5-B0EA3E10FF6B}" type="slidenum">
+              <a:rPr lang="en-US" smtClean="0"/>
+              <a:t>9</a:t>
+            </a:fld>
+            <a:endParaRPr lang="en-US"/>
+          </a:p>
+        </p:txBody>
+      </p:sp>
+    </p:spTree>
+    <p:extLst>
+      <p:ext uri="{BB962C8B-B14F-4D97-AF65-F5344CB8AC3E}">
+        <p14:creationId xmlns:p14="http://schemas.microsoft.com/office/powerpoint/2010/main" val="516879475"/>
       </p:ext>
     </p:extLst>
   </p:cSld>
@@ -1306,7 +2285,7 @@
             <a:fld id="{1D8BD707-D9CF-40AE-B4C6-C98DA3205C09}" type="datetimeFigureOut">
               <a:rPr lang="en-US" smtClean="0"/>
               <a:pPr/>
-              <a:t>12/29/2025</a:t>
+              <a:t>1/7/2026</a:t>
             </a:fld>
             <a:endParaRPr lang="en-US"/>
           </a:p>
@@ -1471,7 +2450,7 @@
             <a:fld id="{1D8BD707-D9CF-40AE-B4C6-C98DA3205C09}" type="datetimeFigureOut">
               <a:rPr lang="en-US" smtClean="0"/>
               <a:pPr/>
-              <a:t>12/29/2025</a:t>
+              <a:t>1/7/2026</a:t>
             </a:fld>
             <a:endParaRPr lang="en-US"/>
           </a:p>
@@ -1646,7 +2625,7 @@
             <a:fld id="{1D8BD707-D9CF-40AE-B4C6-C98DA3205C09}" type="datetimeFigureOut">
               <a:rPr lang="en-US" smtClean="0"/>
               <a:pPr/>
-              <a:t>12/29/2025</a:t>
+              <a:t>1/7/2026</a:t>
             </a:fld>
             <a:endParaRPr lang="en-US"/>
           </a:p>
@@ -1811,7 +2790,7 @@
             <a:fld id="{1D8BD707-D9CF-40AE-B4C6-C98DA3205C09}" type="datetimeFigureOut">
               <a:rPr lang="en-US" smtClean="0"/>
               <a:pPr/>
-              <a:t>12/29/2025</a:t>
+              <a:t>1/7/2026</a:t>
             </a:fld>
             <a:endParaRPr lang="en-US"/>
           </a:p>
@@ -2053,7 +3032,7 @@
             <a:fld id="{1D8BD707-D9CF-40AE-B4C6-C98DA3205C09}" type="datetimeFigureOut">
               <a:rPr lang="en-US" smtClean="0"/>
               <a:pPr/>
-              <a:t>12/29/2025</a:t>
+              <a:t>1/7/2026</a:t>
             </a:fld>
             <a:endParaRPr lang="en-US"/>
           </a:p>
@@ -2335,7 +3314,7 @@
             <a:fld id="{1D8BD707-D9CF-40AE-B4C6-C98DA3205C09}" type="datetimeFigureOut">
               <a:rPr lang="en-US" smtClean="0"/>
               <a:pPr/>
-              <a:t>12/29/2025</a:t>
+              <a:t>1/7/2026</a:t>
             </a:fld>
             <a:endParaRPr lang="en-US"/>
           </a:p>
@@ -2751,7 +3730,7 @@
             <a:fld id="{1D8BD707-D9CF-40AE-B4C6-C98DA3205C09}" type="datetimeFigureOut">
               <a:rPr lang="en-US" smtClean="0"/>
               <a:pPr/>
-              <a:t>12/29/2025</a:t>
+              <a:t>1/7/2026</a:t>
             </a:fld>
             <a:endParaRPr lang="en-US"/>
           </a:p>
@@ -2865,7 +3844,7 @@
             <a:fld id="{1D8BD707-D9CF-40AE-B4C6-C98DA3205C09}" type="datetimeFigureOut">
               <a:rPr lang="en-US" smtClean="0"/>
               <a:pPr/>
-              <a:t>12/29/2025</a:t>
+              <a:t>1/7/2026</a:t>
             </a:fld>
             <a:endParaRPr lang="en-US"/>
           </a:p>
@@ -2957,7 +3936,7 @@
             <a:fld id="{1D8BD707-D9CF-40AE-B4C6-C98DA3205C09}" type="datetimeFigureOut">
               <a:rPr lang="en-US" smtClean="0"/>
               <a:pPr/>
-              <a:t>12/29/2025</a:t>
+              <a:t>1/7/2026</a:t>
             </a:fld>
             <a:endParaRPr lang="en-US"/>
           </a:p>
@@ -3229,7 +4208,7 @@
             <a:fld id="{1D8BD707-D9CF-40AE-B4C6-C98DA3205C09}" type="datetimeFigureOut">
               <a:rPr lang="en-US" smtClean="0"/>
               <a:pPr/>
-              <a:t>12/29/2025</a:t>
+              <a:t>1/7/2026</a:t>
             </a:fld>
             <a:endParaRPr lang="en-US"/>
           </a:p>
@@ -3478,7 +4457,7 @@
             <a:fld id="{1D8BD707-D9CF-40AE-B4C6-C98DA3205C09}" type="datetimeFigureOut">
               <a:rPr lang="en-US" smtClean="0"/>
               <a:pPr/>
-              <a:t>12/29/2025</a:t>
+              <a:t>1/7/2026</a:t>
             </a:fld>
             <a:endParaRPr lang="en-US"/>
           </a:p>
@@ -3691,7 +4670,7 @@
             <a:fld id="{1D8BD707-D9CF-40AE-B4C6-C98DA3205C09}" type="datetimeFigureOut">
               <a:rPr lang="en-US" smtClean="0"/>
               <a:pPr/>
-              <a:t>12/29/2025</a:t>
+              <a:t>1/7/2026</a:t>
             </a:fld>
             <a:endParaRPr lang="en-US"/>
           </a:p>
@@ -4071,7 +5050,7 @@
           <p:nvPr/>
         </p:nvPicPr>
         <p:blipFill>
-          <a:blip r:embed="rId2">
+          <a:blip r:embed="rId3">
             <a:extLst>
               <a:ext uri="{28A0092B-C50C-407E-A947-70E740481C1C}">
                 <a14:useLocalDpi xmlns:a14="http://schemas.microsoft.com/office/drawing/2010/main" val="0"/>
@@ -4100,7 +5079,7 @@
           <p:nvPr/>
         </p:nvPicPr>
         <p:blipFill>
-          <a:blip r:embed="rId3">
+          <a:blip r:embed="rId4">
             <a:extLst>
               <a:ext uri="{28A0092B-C50C-407E-A947-70E740481C1C}">
                 <a14:useLocalDpi xmlns:a14="http://schemas.microsoft.com/office/drawing/2010/main" val="0"/>
@@ -4215,7 +5194,7 @@
           <p:nvPr/>
         </p:nvPicPr>
         <p:blipFill>
-          <a:blip r:embed="rId4"/>
+          <a:blip r:embed="rId5"/>
           <a:stretch>
             <a:fillRect/>
           </a:stretch>
@@ -4553,7 +5532,7 @@
           <p:nvPr/>
         </p:nvPicPr>
         <p:blipFill>
-          <a:blip r:embed="rId2">
+          <a:blip r:embed="rId3">
             <a:extLst>
               <a:ext uri="{28A0092B-C50C-407E-A947-70E740481C1C}">
                 <a14:useLocalDpi xmlns:a14="http://schemas.microsoft.com/office/drawing/2010/main" val="0"/>
@@ -4589,7 +5568,7 @@
           <p:nvPr/>
         </p:nvPicPr>
         <p:blipFill>
-          <a:blip r:embed="rId3"/>
+          <a:blip r:embed="rId4"/>
           <a:stretch>
             <a:fillRect/>
           </a:stretch>
@@ -4643,7 +5622,7 @@
           <p:nvPr/>
         </p:nvPicPr>
         <p:blipFill rotWithShape="1">
-          <a:blip r:embed="rId2">
+          <a:blip r:embed="rId3">
             <a:extLst>
               <a:ext uri="{28A0092B-C50C-407E-A947-70E740481C1C}">
                 <a14:useLocalDpi xmlns:a14="http://schemas.microsoft.com/office/drawing/2010/main" val="0"/>
@@ -4672,7 +5651,7 @@
           <p:nvPr/>
         </p:nvPicPr>
         <p:blipFill>
-          <a:blip r:embed="rId3">
+          <a:blip r:embed="rId4">
             <a:extLst>
               <a:ext uri="{28A0092B-C50C-407E-A947-70E740481C1C}">
                 <a14:useLocalDpi xmlns:a14="http://schemas.microsoft.com/office/drawing/2010/main" val="0"/>
@@ -4742,7 +5721,7 @@
           <p:nvPr/>
         </p:nvPicPr>
         <p:blipFill>
-          <a:blip r:embed="rId4">
+          <a:blip r:embed="rId5">
             <a:extLst>
               <a:ext uri="{28A0092B-C50C-407E-A947-70E740481C1C}">
                 <a14:useLocalDpi xmlns:a14="http://schemas.microsoft.com/office/drawing/2010/main" val="0"/>
@@ -4962,7 +5941,7 @@
           <a:lstStyle/>
           <a:p>
             <a:pPr algn="ctr"/>
-            <a:endParaRPr lang="en-US" sz="2700"/>
+            <a:endParaRPr lang="en-US" sz="2700" dirty="0"/>
           </a:p>
         </p:txBody>
       </p:sp>
@@ -5006,53 +5985,6 @@
             <a:extLst>
               <a:ext uri="{FF2B5EF4-FFF2-40B4-BE49-F238E27FC236}">
                 <a16:creationId xmlns:a16="http://schemas.microsoft.com/office/drawing/2014/main" id="{588F684B-18EF-D76C-5F7B-15E4BAD60643}"/>
-              </a:ext>
-            </a:extLst>
-          </p:cNvPr>
-          <p:cNvPicPr>
-            <a:picLocks noChangeAspect="1" noChangeArrowheads="1"/>
-          </p:cNvPicPr>
-          <p:nvPr/>
-        </p:nvPicPr>
-        <p:blipFill>
-          <a:blip r:embed="rId2" cstate="print">
-            <a:extLst>
-              <a:ext uri="{28A0092B-C50C-407E-A947-70E740481C1C}">
-                <a14:useLocalDpi xmlns:a14="http://schemas.microsoft.com/office/drawing/2010/main" val="0"/>
-              </a:ext>
-            </a:extLst>
-          </a:blip>
-          <a:srcRect/>
-          <a:stretch>
-            <a:fillRect/>
-          </a:stretch>
-        </p:blipFill>
-        <p:spPr bwMode="auto">
-          <a:xfrm>
-            <a:off x="13638675" y="195638"/>
-            <a:ext cx="3130385" cy="4088666"/>
-          </a:xfrm>
-          <a:prstGeom prst="rect">
-            <a:avLst/>
-          </a:prstGeom>
-          <a:noFill/>
-          <a:extLst>
-            <a:ext uri="{909E8E84-426E-40DD-AFC4-6F175D3DCCD1}">
-              <a14:hiddenFill xmlns:a14="http://schemas.microsoft.com/office/drawing/2010/main">
-                <a:solidFill>
-                  <a:srgbClr val="FFFFFF"/>
-                </a:solidFill>
-              </a14:hiddenFill>
-            </a:ext>
-          </a:extLst>
-        </p:spPr>
-      </p:pic>
-      <p:pic>
-        <p:nvPicPr>
-          <p:cNvPr id="6" name="Picture 6" descr="Free photos of Cleveland">
-            <a:extLst>
-              <a:ext uri="{FF2B5EF4-FFF2-40B4-BE49-F238E27FC236}">
-                <a16:creationId xmlns:a16="http://schemas.microsoft.com/office/drawing/2014/main" id="{CBA53EEE-E3E1-D99E-A4DC-1C4DD2E6CE4A}"/>
               </a:ext>
             </a:extLst>
           </p:cNvPr>
@@ -5076,8 +6008,8 @@
         </p:blipFill>
         <p:spPr bwMode="auto">
           <a:xfrm>
-            <a:off x="1695692" y="2968810"/>
-            <a:ext cx="5535359" cy="3684473"/>
+            <a:off x="13638675" y="195638"/>
+            <a:ext cx="3130385" cy="4088666"/>
           </a:xfrm>
           <a:prstGeom prst="rect">
             <a:avLst/>
@@ -5254,10 +6186,89 @@
           </a:prstGeom>
         </p:spPr>
       </p:pic>
+      <p:pic>
+        <p:nvPicPr>
+          <p:cNvPr id="7" name="Picture 6" descr="linkedinlearninginstructor #linkedinlearning | Thais Cooke | 80 comments">
+            <a:extLst>
+              <a:ext uri="{FF2B5EF4-FFF2-40B4-BE49-F238E27FC236}">
+                <a16:creationId xmlns:a16="http://schemas.microsoft.com/office/drawing/2014/main" id="{C1E81082-DC04-E8C8-AF35-69591438D97C}"/>
+              </a:ext>
+            </a:extLst>
+          </p:cNvPr>
+          <p:cNvPicPr>
+            <a:picLocks noChangeAspect="1"/>
+          </p:cNvPicPr>
+          <p:nvPr/>
+        </p:nvPicPr>
+        <p:blipFill>
+          <a:blip r:embed="rId8"/>
+          <a:stretch>
+            <a:fillRect/>
+          </a:stretch>
+        </p:blipFill>
+        <p:spPr>
+          <a:xfrm>
+            <a:off x="2933407" y="4935896"/>
+            <a:ext cx="5185833" cy="2133600"/>
+          </a:xfrm>
+          <a:prstGeom prst="rect">
+            <a:avLst/>
+          </a:prstGeom>
+        </p:spPr>
+      </p:pic>
+      <p:sp>
+        <p:nvSpPr>
+          <p:cNvPr id="9" name="TextBox 8">
+            <a:extLst>
+              <a:ext uri="{FF2B5EF4-FFF2-40B4-BE49-F238E27FC236}">
+                <a16:creationId xmlns:a16="http://schemas.microsoft.com/office/drawing/2014/main" id="{A4DDDC47-548D-1287-3489-8B5D9DA3C477}"/>
+              </a:ext>
+            </a:extLst>
+          </p:cNvPr>
+          <p:cNvSpPr txBox="1"/>
+          <p:nvPr/>
+        </p:nvSpPr>
+        <p:spPr>
+          <a:xfrm>
+            <a:off x="849234" y="2485315"/>
+            <a:ext cx="6618366" cy="1754326"/>
+          </a:xfrm>
+          <a:prstGeom prst="rect">
+            <a:avLst/>
+          </a:prstGeom>
+          <a:noFill/>
+        </p:spPr>
+        <p:txBody>
+          <a:bodyPr wrap="square" rtlCol="0">
+            <a:spAutoFit/>
+          </a:bodyPr>
+          <a:lstStyle/>
+          <a:p>
+            <a:r>
+              <a:rPr lang="en-US" sz="3600" b="1" dirty="0">
+                <a:solidFill>
+                  <a:schemeClr val="bg1"/>
+                </a:solidFill>
+              </a:rPr>
+              <a:t>I help Excel users move from fragile spreadsheets</a:t>
+            </a:r>
+          </a:p>
+          <a:p>
+            <a:r>
+              <a:rPr lang="en-US" sz="3600" b="1" dirty="0">
+                <a:solidFill>
+                  <a:schemeClr val="bg1"/>
+                </a:solidFill>
+              </a:rPr>
+              <a:t>to confident, scalable analysis.</a:t>
+            </a:r>
+          </a:p>
+        </p:txBody>
+      </p:sp>
     </p:spTree>
     <p:extLst>
       <p:ext uri="{BB962C8B-B14F-4D97-AF65-F5344CB8AC3E}">
-        <p14:creationId xmlns:p14="http://schemas.microsoft.com/office/powerpoint/2010/main" val="1872901171"/>
+        <p14:creationId xmlns:p14="http://schemas.microsoft.com/office/powerpoint/2010/main" val="3011018803"/>
       </p:ext>
     </p:extLst>
   </p:cSld>
@@ -5324,7 +6335,7 @@
         <p:spPr>
           <a:xfrm>
             <a:off x="520861" y="3191948"/>
-            <a:ext cx="14393120" cy="3323987"/>
+            <a:ext cx="14393120" cy="3970318"/>
           </a:xfrm>
           <a:prstGeom prst="rect">
             <a:avLst/>
@@ -5405,7 +6416,7 @@
                 </a:solidFill>
                 <a:latin typeface="Pragmatica" panose="020B0403040502020204" pitchFamily="34" charset="0"/>
               </a:rPr>
-              <a:t>Understand where Scripts, Automate, and Agents actually fit</a:t>
+              <a:t>Understand where Office Scripts, Automate, and Agents actually fit</a:t>
             </a:r>
           </a:p>
           <a:p>
@@ -5443,7 +6454,7 @@
           <p:nvPr/>
         </p:nvPicPr>
         <p:blipFill>
-          <a:blip r:embed="rId2">
+          <a:blip r:embed="rId3">
             <a:extLst>
               <a:ext uri="{28A0092B-C50C-407E-A947-70E740481C1C}">
                 <a14:useLocalDpi xmlns:a14="http://schemas.microsoft.com/office/drawing/2010/main" val="0"/>
@@ -5552,7 +6563,7 @@
           <p:nvPr/>
         </p:nvPicPr>
         <p:blipFill>
-          <a:blip r:embed="rId2">
+          <a:blip r:embed="rId3">
             <a:extLst>
               <a:ext uri="{28A0092B-C50C-407E-A947-70E740481C1C}">
                 <a14:useLocalDpi xmlns:a14="http://schemas.microsoft.com/office/drawing/2010/main" val="0"/>
@@ -5805,7 +6816,7 @@
           <p:nvPr/>
         </p:nvPicPr>
         <p:blipFill>
-          <a:blip r:embed="rId2">
+          <a:blip r:embed="rId3">
             <a:extLst>
               <a:ext uri="{28A0092B-C50C-407E-A947-70E740481C1C}">
                 <a14:useLocalDpi xmlns:a14="http://schemas.microsoft.com/office/drawing/2010/main" val="0"/>
@@ -5841,7 +6852,7 @@
           <p:nvPr/>
         </p:nvPicPr>
         <p:blipFill>
-          <a:blip r:embed="rId3"/>
+          <a:blip r:embed="rId4"/>
           <a:stretch>
             <a:fillRect/>
           </a:stretch>

--- a/ai-financial-modeling-fmi.pptx
+++ b/ai-financial-modeling-fmi.pptx
@@ -247,7 +247,7 @@
           <a:p>
             <a:fld id="{17A98A70-FA8C-4354-959C-C70678AC9BCF}" type="datetimeFigureOut">
               <a:rPr lang="en-US" smtClean="0"/>
-              <a:t>1/7/2026</a:t>
+              <a:t>1/12/2026</a:t>
             </a:fld>
             <a:endParaRPr lang="en-US"/>
           </a:p>
@@ -572,10 +572,43 @@
             </a:r>
           </a:p>
           <a:p>
+            <a:endParaRPr lang="en-US" dirty="0"/>
+          </a:p>
+          <a:p>
             <a:r>
               <a:rPr lang="en-US" dirty="0"/>
-              <a:t>This isn’t about replacing Excel. It’s about extending it — with Copilot, Python, automation, and agents — in ways that still respect auditability, control, and judgment.</a:t>
-            </a:r>
+              <a:t>This session is not about teaching financial modeling techniques like DCFs or 3-statement models.</a:t>
+            </a:r>
+          </a:p>
+          <a:p>
+            <a:r>
+              <a:rPr lang="en-US" dirty="0"/>
+              <a:t>It’s about the layer </a:t>
+            </a:r>
+            <a:r>
+              <a:rPr lang="en-US" i="1" dirty="0"/>
+              <a:t>around</a:t>
+            </a:r>
+            <a:r>
+              <a:rPr lang="en-US" dirty="0"/>
+              <a:t> those models:</a:t>
+            </a:r>
+            <a:br>
+              <a:rPr lang="en-US" dirty="0"/>
+            </a:br>
+            <a:r>
+              <a:rPr lang="en-US" dirty="0"/>
+              <a:t>data quality, repeatability, auditability, and analytical acceleration inside Excel.</a:t>
+            </a:r>
+          </a:p>
+          <a:p>
+            <a:r>
+              <a:rPr lang="en-US" dirty="0"/>
+              <a:t>Everything you’ll see today is designed to support traditional financial modeling, not replace it.</a:t>
+            </a:r>
+          </a:p>
+          <a:p>
+            <a:endParaRPr lang="en-US" dirty="0"/>
           </a:p>
           <a:p>
             <a:endParaRPr lang="en-US" dirty="0"/>
@@ -2285,7 +2318,7 @@
             <a:fld id="{1D8BD707-D9CF-40AE-B4C6-C98DA3205C09}" type="datetimeFigureOut">
               <a:rPr lang="en-US" smtClean="0"/>
               <a:pPr/>
-              <a:t>1/7/2026</a:t>
+              <a:t>1/12/2026</a:t>
             </a:fld>
             <a:endParaRPr lang="en-US"/>
           </a:p>
@@ -2450,7 +2483,7 @@
             <a:fld id="{1D8BD707-D9CF-40AE-B4C6-C98DA3205C09}" type="datetimeFigureOut">
               <a:rPr lang="en-US" smtClean="0"/>
               <a:pPr/>
-              <a:t>1/7/2026</a:t>
+              <a:t>1/12/2026</a:t>
             </a:fld>
             <a:endParaRPr lang="en-US"/>
           </a:p>
@@ -2625,7 +2658,7 @@
             <a:fld id="{1D8BD707-D9CF-40AE-B4C6-C98DA3205C09}" type="datetimeFigureOut">
               <a:rPr lang="en-US" smtClean="0"/>
               <a:pPr/>
-              <a:t>1/7/2026</a:t>
+              <a:t>1/12/2026</a:t>
             </a:fld>
             <a:endParaRPr lang="en-US"/>
           </a:p>
@@ -2790,7 +2823,7 @@
             <a:fld id="{1D8BD707-D9CF-40AE-B4C6-C98DA3205C09}" type="datetimeFigureOut">
               <a:rPr lang="en-US" smtClean="0"/>
               <a:pPr/>
-              <a:t>1/7/2026</a:t>
+              <a:t>1/12/2026</a:t>
             </a:fld>
             <a:endParaRPr lang="en-US"/>
           </a:p>
@@ -3032,7 +3065,7 @@
             <a:fld id="{1D8BD707-D9CF-40AE-B4C6-C98DA3205C09}" type="datetimeFigureOut">
               <a:rPr lang="en-US" smtClean="0"/>
               <a:pPr/>
-              <a:t>1/7/2026</a:t>
+              <a:t>1/12/2026</a:t>
             </a:fld>
             <a:endParaRPr lang="en-US"/>
           </a:p>
@@ -3314,7 +3347,7 @@
             <a:fld id="{1D8BD707-D9CF-40AE-B4C6-C98DA3205C09}" type="datetimeFigureOut">
               <a:rPr lang="en-US" smtClean="0"/>
               <a:pPr/>
-              <a:t>1/7/2026</a:t>
+              <a:t>1/12/2026</a:t>
             </a:fld>
             <a:endParaRPr lang="en-US"/>
           </a:p>
@@ -3730,7 +3763,7 @@
             <a:fld id="{1D8BD707-D9CF-40AE-B4C6-C98DA3205C09}" type="datetimeFigureOut">
               <a:rPr lang="en-US" smtClean="0"/>
               <a:pPr/>
-              <a:t>1/7/2026</a:t>
+              <a:t>1/12/2026</a:t>
             </a:fld>
             <a:endParaRPr lang="en-US"/>
           </a:p>
@@ -3844,7 +3877,7 @@
             <a:fld id="{1D8BD707-D9CF-40AE-B4C6-C98DA3205C09}" type="datetimeFigureOut">
               <a:rPr lang="en-US" smtClean="0"/>
               <a:pPr/>
-              <a:t>1/7/2026</a:t>
+              <a:t>1/12/2026</a:t>
             </a:fld>
             <a:endParaRPr lang="en-US"/>
           </a:p>
@@ -3936,7 +3969,7 @@
             <a:fld id="{1D8BD707-D9CF-40AE-B4C6-C98DA3205C09}" type="datetimeFigureOut">
               <a:rPr lang="en-US" smtClean="0"/>
               <a:pPr/>
-              <a:t>1/7/2026</a:t>
+              <a:t>1/12/2026</a:t>
             </a:fld>
             <a:endParaRPr lang="en-US"/>
           </a:p>
@@ -4208,7 +4241,7 @@
             <a:fld id="{1D8BD707-D9CF-40AE-B4C6-C98DA3205C09}" type="datetimeFigureOut">
               <a:rPr lang="en-US" smtClean="0"/>
               <a:pPr/>
-              <a:t>1/7/2026</a:t>
+              <a:t>1/12/2026</a:t>
             </a:fld>
             <a:endParaRPr lang="en-US"/>
           </a:p>
@@ -4457,7 +4490,7 @@
             <a:fld id="{1D8BD707-D9CF-40AE-B4C6-C98DA3205C09}" type="datetimeFigureOut">
               <a:rPr lang="en-US" smtClean="0"/>
               <a:pPr/>
-              <a:t>1/7/2026</a:t>
+              <a:t>1/12/2026</a:t>
             </a:fld>
             <a:endParaRPr lang="en-US"/>
           </a:p>
@@ -4670,7 +4703,7 @@
             <a:fld id="{1D8BD707-D9CF-40AE-B4C6-C98DA3205C09}" type="datetimeFigureOut">
               <a:rPr lang="en-US" smtClean="0"/>
               <a:pPr/>
-              <a:t>1/7/2026</a:t>
+              <a:t>1/12/2026</a:t>
             </a:fld>
             <a:endParaRPr lang="en-US"/>
           </a:p>
